--- a/java-lc2a.pptx
+++ b/java-lc2a.pptx
@@ -5,7 +5,7 @@
     <p:sldMasterId id="2147483672" r:id="rId1"/>
   </p:sldMasterIdLst>
   <p:notesMasterIdLst>
-    <p:notesMasterId r:id="rId19"/>
+    <p:notesMasterId r:id="rId21"/>
   </p:notesMasterIdLst>
   <p:sldIdLst>
     <p:sldId id="256" r:id="rId2"/>
@@ -25,6 +25,8 @@
     <p:sldId id="271" r:id="rId16"/>
     <p:sldId id="272" r:id="rId17"/>
     <p:sldId id="273" r:id="rId18"/>
+    <p:sldId id="274" r:id="rId19"/>
+    <p:sldId id="275" r:id="rId20"/>
   </p:sldIdLst>
   <p:sldSz cx="9144000" cy="6858000" type="screen4x3"/>
   <p:notesSz cx="6858000" cy="9144000"/>
@@ -208,7 +210,7 @@
           <a:p>
             <a:fld id="{7F1638D8-92C4-433B-B2C4-FDB2E38D560E}" type="datetimeFigureOut">
               <a:rPr lang="ru-RU" smtClean="0"/>
-              <a:t>16.04.2018</a:t>
+              <a:t>11.02.2019</a:t>
             </a:fld>
             <a:endParaRPr lang="ru-RU"/>
           </a:p>
@@ -8227,7 +8229,7 @@
           <a:graphicData uri="http://schemas.openxmlformats.org/presentationml/2006/ole">
             <mc:AlternateContent xmlns:mc="http://schemas.openxmlformats.org/markup-compatibility/2006">
               <mc:Choice xmlns:v="urn:schemas-microsoft-com:vml" Requires="v">
-                <p:oleObj spid="_x0000_s1026" name="Формула" r:id="rId3" imgW="2603500" imgH="622300" progId="Equation.3">
+                <p:oleObj spid="_x0000_s1028" name="Формула" r:id="rId3" imgW="2603500" imgH="622300" progId="Equation.3">
                   <p:embed/>
                 </p:oleObj>
               </mc:Choice>
@@ -8589,6 +8591,3232 @@
       </p:par>
     </p:tnLst>
   </p:timing>
+</p:sld>
+</file>
+
+<file path=ppt/slides/slide18.xml><?xml version="1.0" encoding="utf-8"?>
+<p:sld xmlns:a="http://schemas.openxmlformats.org/drawingml/2006/main" xmlns:r="http://schemas.openxmlformats.org/officeDocument/2006/relationships" xmlns:p="http://schemas.openxmlformats.org/presentationml/2006/main">
+  <p:cSld>
+    <p:spTree>
+      <p:nvGrpSpPr>
+        <p:cNvPr id="1" name=""/>
+        <p:cNvGrpSpPr/>
+        <p:nvPr/>
+      </p:nvGrpSpPr>
+      <p:grpSpPr>
+        <a:xfrm>
+          <a:off x="0" y="0"/>
+          <a:ext cx="0" cy="0"/>
+          <a:chOff x="0" y="0"/>
+          <a:chExt cx="0" cy="0"/>
+        </a:xfrm>
+      </p:grpSpPr>
+      <p:sp>
+        <p:nvSpPr>
+          <p:cNvPr id="3" name="Объект 2"/>
+          <p:cNvSpPr>
+            <a:spLocks noGrp="1"/>
+          </p:cNvSpPr>
+          <p:nvPr>
+            <p:ph idx="1"/>
+          </p:nvPr>
+        </p:nvSpPr>
+        <p:spPr>
+          <a:xfrm>
+            <a:off x="457200" y="188640"/>
+            <a:ext cx="8229600" cy="6624736"/>
+          </a:xfrm>
+        </p:spPr>
+        <p:txBody>
+          <a:bodyPr>
+            <a:normAutofit fontScale="40000" lnSpcReduction="20000"/>
+          </a:bodyPr>
+          <a:lstStyle/>
+          <a:p>
+            <a:pPr marL="0" indent="0">
+              <a:buNone/>
+            </a:pPr>
+            <a:endParaRPr lang="ru-RU" dirty="0">
+              <a:solidFill>
+                <a:srgbClr val="000000"/>
+              </a:solidFill>
+              <a:highlight>
+                <a:srgbClr val="FFFFFF"/>
+              </a:highlight>
+              <a:latin typeface="Courier New"/>
+            </a:endParaRPr>
+          </a:p>
+          <a:p>
+            <a:pPr marL="0" indent="0">
+              <a:buNone/>
+            </a:pPr>
+            <a:r>
+              <a:rPr lang="en-US" dirty="0">
+                <a:solidFill>
+                  <a:srgbClr val="8000FF"/>
+                </a:solidFill>
+                <a:highlight>
+                  <a:srgbClr val="FFFFFF"/>
+                </a:highlight>
+                <a:latin typeface="Courier New"/>
+              </a:rPr>
+              <a:t>public</a:t>
+            </a:r>
+            <a:r>
+              <a:rPr lang="en-US" dirty="0">
+                <a:solidFill>
+                  <a:srgbClr val="000000"/>
+                </a:solidFill>
+                <a:highlight>
+                  <a:srgbClr val="FFFFFF"/>
+                </a:highlight>
+                <a:latin typeface="Courier New"/>
+              </a:rPr>
+              <a:t> </a:t>
+            </a:r>
+            <a:r>
+              <a:rPr lang="en-US" dirty="0">
+                <a:solidFill>
+                  <a:srgbClr val="8000FF"/>
+                </a:solidFill>
+                <a:highlight>
+                  <a:srgbClr val="FFFFFF"/>
+                </a:highlight>
+                <a:latin typeface="Courier New"/>
+              </a:rPr>
+              <a:t>class</a:t>
+            </a:r>
+            <a:r>
+              <a:rPr lang="en-US" dirty="0">
+                <a:solidFill>
+                  <a:srgbClr val="000000"/>
+                </a:solidFill>
+                <a:highlight>
+                  <a:srgbClr val="FFFFFF"/>
+                </a:highlight>
+                <a:latin typeface="Courier New"/>
+              </a:rPr>
+              <a:t> </a:t>
+            </a:r>
+            <a:r>
+              <a:rPr lang="en-US" dirty="0" err="1">
+                <a:solidFill>
+                  <a:srgbClr val="000000"/>
+                </a:solidFill>
+                <a:highlight>
+                  <a:srgbClr val="FFFFFF"/>
+                </a:highlight>
+                <a:latin typeface="Courier New"/>
+              </a:rPr>
+              <a:t>ascfa</a:t>
+            </a:r>
+            <a:r>
+              <a:rPr lang="en-US" dirty="0">
+                <a:solidFill>
+                  <a:srgbClr val="000000"/>
+                </a:solidFill>
+                <a:highlight>
+                  <a:srgbClr val="FFFFFF"/>
+                </a:highlight>
+                <a:latin typeface="Courier New"/>
+              </a:rPr>
+              <a:t> </a:t>
+            </a:r>
+            <a:r>
+              <a:rPr lang="en-US" b="1" dirty="0">
+                <a:solidFill>
+                  <a:srgbClr val="000080"/>
+                </a:solidFill>
+                <a:highlight>
+                  <a:srgbClr val="FFFFFF"/>
+                </a:highlight>
+                <a:latin typeface="Courier New"/>
+              </a:rPr>
+              <a:t>{</a:t>
+            </a:r>
+            <a:endParaRPr lang="en-US" dirty="0">
+              <a:solidFill>
+                <a:srgbClr val="000000"/>
+              </a:solidFill>
+              <a:highlight>
+                <a:srgbClr val="FFFFFF"/>
+              </a:highlight>
+              <a:latin typeface="Courier New"/>
+            </a:endParaRPr>
+          </a:p>
+          <a:p>
+            <a:pPr marL="0" indent="0">
+              <a:buNone/>
+            </a:pPr>
+            <a:r>
+              <a:rPr lang="fr-FR" dirty="0">
+                <a:solidFill>
+                  <a:srgbClr val="000000"/>
+                </a:solidFill>
+                <a:highlight>
+                  <a:srgbClr val="FFFFFF"/>
+                </a:highlight>
+                <a:latin typeface="Courier New"/>
+              </a:rPr>
+              <a:t>	</a:t>
+            </a:r>
+            <a:r>
+              <a:rPr lang="fr-FR" dirty="0">
+                <a:solidFill>
+                  <a:srgbClr val="8000FF"/>
+                </a:solidFill>
+                <a:highlight>
+                  <a:srgbClr val="FFFFFF"/>
+                </a:highlight>
+                <a:latin typeface="Courier New"/>
+              </a:rPr>
+              <a:t>public</a:t>
+            </a:r>
+            <a:r>
+              <a:rPr lang="fr-FR" dirty="0">
+                <a:solidFill>
+                  <a:srgbClr val="000000"/>
+                </a:solidFill>
+                <a:highlight>
+                  <a:srgbClr val="FFFFFF"/>
+                </a:highlight>
+                <a:latin typeface="Courier New"/>
+              </a:rPr>
+              <a:t> </a:t>
+            </a:r>
+            <a:r>
+              <a:rPr lang="fr-FR" dirty="0">
+                <a:solidFill>
+                  <a:srgbClr val="8000FF"/>
+                </a:solidFill>
+                <a:highlight>
+                  <a:srgbClr val="FFFFFF"/>
+                </a:highlight>
+                <a:latin typeface="Courier New"/>
+              </a:rPr>
+              <a:t>double</a:t>
+            </a:r>
+            <a:r>
+              <a:rPr lang="fr-FR" dirty="0">
+                <a:solidFill>
+                  <a:srgbClr val="000000"/>
+                </a:solidFill>
+                <a:highlight>
+                  <a:srgbClr val="FFFFFF"/>
+                </a:highlight>
+                <a:latin typeface="Courier New"/>
+              </a:rPr>
+              <a:t> Element</a:t>
+            </a:r>
+            <a:r>
+              <a:rPr lang="fr-FR" b="1" dirty="0">
+                <a:solidFill>
+                  <a:srgbClr val="000080"/>
+                </a:solidFill>
+                <a:highlight>
+                  <a:srgbClr val="FFFFFF"/>
+                </a:highlight>
+                <a:latin typeface="Courier New"/>
+              </a:rPr>
+              <a:t>(</a:t>
+            </a:r>
+            <a:r>
+              <a:rPr lang="fr-FR" dirty="0">
+                <a:solidFill>
+                  <a:srgbClr val="8000FF"/>
+                </a:solidFill>
+                <a:highlight>
+                  <a:srgbClr val="FFFFFF"/>
+                </a:highlight>
+                <a:latin typeface="Courier New"/>
+              </a:rPr>
+              <a:t>double</a:t>
+            </a:r>
+            <a:r>
+              <a:rPr lang="fr-FR" dirty="0">
+                <a:solidFill>
+                  <a:srgbClr val="000000"/>
+                </a:solidFill>
+                <a:highlight>
+                  <a:srgbClr val="FFFFFF"/>
+                </a:highlight>
+                <a:latin typeface="Courier New"/>
+              </a:rPr>
+              <a:t> x</a:t>
+            </a:r>
+            <a:r>
+              <a:rPr lang="fr-FR" b="1" dirty="0">
+                <a:solidFill>
+                  <a:srgbClr val="000080"/>
+                </a:solidFill>
+                <a:highlight>
+                  <a:srgbClr val="FFFFFF"/>
+                </a:highlight>
+                <a:latin typeface="Courier New"/>
+              </a:rPr>
+              <a:t>,</a:t>
+            </a:r>
+            <a:r>
+              <a:rPr lang="fr-FR" dirty="0">
+                <a:solidFill>
+                  <a:srgbClr val="000000"/>
+                </a:solidFill>
+                <a:highlight>
+                  <a:srgbClr val="FFFFFF"/>
+                </a:highlight>
+                <a:latin typeface="Courier New"/>
+              </a:rPr>
+              <a:t> </a:t>
+            </a:r>
+            <a:r>
+              <a:rPr lang="fr-FR" dirty="0">
+                <a:solidFill>
+                  <a:srgbClr val="8000FF"/>
+                </a:solidFill>
+                <a:highlight>
+                  <a:srgbClr val="FFFFFF"/>
+                </a:highlight>
+                <a:latin typeface="Courier New"/>
+              </a:rPr>
+              <a:t>double</a:t>
+            </a:r>
+            <a:r>
+              <a:rPr lang="fr-FR" dirty="0">
+                <a:solidFill>
+                  <a:srgbClr val="000000"/>
+                </a:solidFill>
+                <a:highlight>
+                  <a:srgbClr val="FFFFFF"/>
+                </a:highlight>
+                <a:latin typeface="Courier New"/>
+              </a:rPr>
+              <a:t> a</a:t>
+            </a:r>
+            <a:r>
+              <a:rPr lang="fr-FR" b="1" dirty="0">
+                <a:solidFill>
+                  <a:srgbClr val="000080"/>
+                </a:solidFill>
+                <a:highlight>
+                  <a:srgbClr val="FFFFFF"/>
+                </a:highlight>
+                <a:latin typeface="Courier New"/>
+              </a:rPr>
+              <a:t>)</a:t>
+            </a:r>
+            <a:endParaRPr lang="fr-FR" dirty="0">
+              <a:solidFill>
+                <a:srgbClr val="000000"/>
+              </a:solidFill>
+              <a:highlight>
+                <a:srgbClr val="FFFFFF"/>
+              </a:highlight>
+              <a:latin typeface="Courier New"/>
+            </a:endParaRPr>
+          </a:p>
+          <a:p>
+            <a:pPr marL="0" indent="0">
+              <a:buNone/>
+            </a:pPr>
+            <a:r>
+              <a:rPr lang="ru-RU" dirty="0">
+                <a:solidFill>
+                  <a:srgbClr val="000000"/>
+                </a:solidFill>
+                <a:highlight>
+                  <a:srgbClr val="FFFFFF"/>
+                </a:highlight>
+                <a:latin typeface="Courier New"/>
+              </a:rPr>
+              <a:t>	</a:t>
+            </a:r>
+            <a:r>
+              <a:rPr lang="ru-RU" b="1" dirty="0">
+                <a:solidFill>
+                  <a:srgbClr val="000080"/>
+                </a:solidFill>
+                <a:highlight>
+                  <a:srgbClr val="FFFFFF"/>
+                </a:highlight>
+                <a:latin typeface="Courier New"/>
+              </a:rPr>
+              <a:t>{</a:t>
+            </a:r>
+            <a:endParaRPr lang="ru-RU" dirty="0">
+              <a:solidFill>
+                <a:srgbClr val="000000"/>
+              </a:solidFill>
+              <a:highlight>
+                <a:srgbClr val="FFFFFF"/>
+              </a:highlight>
+              <a:latin typeface="Courier New"/>
+            </a:endParaRPr>
+          </a:p>
+          <a:p>
+            <a:pPr marL="0" indent="0">
+              <a:buNone/>
+            </a:pPr>
+            <a:r>
+              <a:rPr lang="en-US" dirty="0">
+                <a:solidFill>
+                  <a:srgbClr val="000000"/>
+                </a:solidFill>
+                <a:highlight>
+                  <a:srgbClr val="FFFFFF"/>
+                </a:highlight>
+                <a:latin typeface="Courier New"/>
+              </a:rPr>
+              <a:t>		</a:t>
+            </a:r>
+            <a:r>
+              <a:rPr lang="en-US" dirty="0">
+                <a:solidFill>
+                  <a:srgbClr val="8000FF"/>
+                </a:solidFill>
+                <a:highlight>
+                  <a:srgbClr val="FFFFFF"/>
+                </a:highlight>
+                <a:latin typeface="Courier New"/>
+              </a:rPr>
+              <a:t>double</a:t>
+            </a:r>
+            <a:r>
+              <a:rPr lang="en-US" dirty="0">
+                <a:solidFill>
+                  <a:srgbClr val="000000"/>
+                </a:solidFill>
+                <a:highlight>
+                  <a:srgbClr val="FFFFFF"/>
+                </a:highlight>
+                <a:latin typeface="Courier New"/>
+              </a:rPr>
+              <a:t> d </a:t>
+            </a:r>
+            <a:r>
+              <a:rPr lang="en-US" b="1" dirty="0">
+                <a:solidFill>
+                  <a:srgbClr val="000080"/>
+                </a:solidFill>
+                <a:highlight>
+                  <a:srgbClr val="FFFFFF"/>
+                </a:highlight>
+                <a:latin typeface="Courier New"/>
+              </a:rPr>
+              <a:t>=</a:t>
+            </a:r>
+            <a:r>
+              <a:rPr lang="en-US" dirty="0">
+                <a:solidFill>
+                  <a:srgbClr val="FF8000"/>
+                </a:solidFill>
+                <a:highlight>
+                  <a:srgbClr val="FFFFFF"/>
+                </a:highlight>
+                <a:latin typeface="Courier New"/>
+              </a:rPr>
+              <a:t>0</a:t>
+            </a:r>
+            <a:r>
+              <a:rPr lang="en-US" b="1" dirty="0">
+                <a:solidFill>
+                  <a:srgbClr val="000080"/>
+                </a:solidFill>
+                <a:highlight>
+                  <a:srgbClr val="FFFFFF"/>
+                </a:highlight>
+                <a:latin typeface="Courier New"/>
+              </a:rPr>
+              <a:t>;</a:t>
+            </a:r>
+            <a:endParaRPr lang="en-US" dirty="0">
+              <a:solidFill>
+                <a:srgbClr val="000000"/>
+              </a:solidFill>
+              <a:highlight>
+                <a:srgbClr val="FFFFFF"/>
+              </a:highlight>
+              <a:latin typeface="Courier New"/>
+            </a:endParaRPr>
+          </a:p>
+          <a:p>
+            <a:pPr marL="0" indent="0">
+              <a:buNone/>
+            </a:pPr>
+            <a:r>
+              <a:rPr lang="en-US" dirty="0">
+                <a:solidFill>
+                  <a:srgbClr val="000000"/>
+                </a:solidFill>
+                <a:highlight>
+                  <a:srgbClr val="FFFFFF"/>
+                </a:highlight>
+                <a:latin typeface="Courier New"/>
+              </a:rPr>
+              <a:t>		</a:t>
+            </a:r>
+            <a:r>
+              <a:rPr lang="en-US" b="1" dirty="0">
+                <a:solidFill>
+                  <a:srgbClr val="0000FF"/>
+                </a:solidFill>
+                <a:highlight>
+                  <a:srgbClr val="FFFFFF"/>
+                </a:highlight>
+                <a:latin typeface="Courier New"/>
+              </a:rPr>
+              <a:t>if</a:t>
+            </a:r>
+            <a:r>
+              <a:rPr lang="en-US" b="1" dirty="0">
+                <a:solidFill>
+                  <a:srgbClr val="000080"/>
+                </a:solidFill>
+                <a:highlight>
+                  <a:srgbClr val="FFFFFF"/>
+                </a:highlight>
+                <a:latin typeface="Courier New"/>
+              </a:rPr>
+              <a:t>(</a:t>
+            </a:r>
+            <a:r>
+              <a:rPr lang="en-US" dirty="0">
+                <a:solidFill>
+                  <a:srgbClr val="000000"/>
+                </a:solidFill>
+                <a:highlight>
+                  <a:srgbClr val="FFFFFF"/>
+                </a:highlight>
+                <a:latin typeface="Courier New"/>
+              </a:rPr>
+              <a:t>x</a:t>
+            </a:r>
+            <a:r>
+              <a:rPr lang="en-US" b="1" dirty="0">
+                <a:solidFill>
+                  <a:srgbClr val="000080"/>
+                </a:solidFill>
+                <a:highlight>
+                  <a:srgbClr val="FFFFFF"/>
+                </a:highlight>
+                <a:latin typeface="Courier New"/>
+              </a:rPr>
+              <a:t>&gt;=</a:t>
+            </a:r>
+            <a:r>
+              <a:rPr lang="en-US" dirty="0">
+                <a:solidFill>
+                  <a:srgbClr val="FF8000"/>
+                </a:solidFill>
+                <a:highlight>
+                  <a:srgbClr val="FFFFFF"/>
+                </a:highlight>
+                <a:latin typeface="Courier New"/>
+              </a:rPr>
+              <a:t>0</a:t>
+            </a:r>
+            <a:r>
+              <a:rPr lang="en-US" b="1" dirty="0">
+                <a:solidFill>
+                  <a:srgbClr val="000080"/>
+                </a:solidFill>
+                <a:highlight>
+                  <a:srgbClr val="FFFFFF"/>
+                </a:highlight>
+                <a:latin typeface="Courier New"/>
+              </a:rPr>
+              <a:t>)</a:t>
+            </a:r>
+            <a:endParaRPr lang="en-US" dirty="0">
+              <a:solidFill>
+                <a:srgbClr val="000000"/>
+              </a:solidFill>
+              <a:highlight>
+                <a:srgbClr val="FFFFFF"/>
+              </a:highlight>
+              <a:latin typeface="Courier New"/>
+            </a:endParaRPr>
+          </a:p>
+          <a:p>
+            <a:pPr marL="0" indent="0">
+              <a:buNone/>
+            </a:pPr>
+            <a:r>
+              <a:rPr lang="ru-RU" dirty="0">
+                <a:solidFill>
+                  <a:srgbClr val="000000"/>
+                </a:solidFill>
+                <a:highlight>
+                  <a:srgbClr val="FFFFFF"/>
+                </a:highlight>
+                <a:latin typeface="Courier New"/>
+              </a:rPr>
+              <a:t>		</a:t>
+            </a:r>
+            <a:r>
+              <a:rPr lang="ru-RU" b="1" dirty="0">
+                <a:solidFill>
+                  <a:srgbClr val="000080"/>
+                </a:solidFill>
+                <a:highlight>
+                  <a:srgbClr val="FFFFFF"/>
+                </a:highlight>
+                <a:latin typeface="Courier New"/>
+              </a:rPr>
+              <a:t>{</a:t>
+            </a:r>
+            <a:endParaRPr lang="ru-RU" dirty="0">
+              <a:solidFill>
+                <a:srgbClr val="000000"/>
+              </a:solidFill>
+              <a:highlight>
+                <a:srgbClr val="FFFFFF"/>
+              </a:highlight>
+              <a:latin typeface="Courier New"/>
+            </a:endParaRPr>
+          </a:p>
+          <a:p>
+            <a:pPr marL="0" indent="0">
+              <a:buNone/>
+            </a:pPr>
+            <a:r>
+              <a:rPr lang="en-US" dirty="0">
+                <a:solidFill>
+                  <a:srgbClr val="000000"/>
+                </a:solidFill>
+                <a:highlight>
+                  <a:srgbClr val="FFFFFF"/>
+                </a:highlight>
+                <a:latin typeface="Courier New"/>
+              </a:rPr>
+              <a:t>			</a:t>
+            </a:r>
+            <a:r>
+              <a:rPr lang="en-US" b="1" dirty="0">
+                <a:solidFill>
+                  <a:srgbClr val="0000FF"/>
+                </a:solidFill>
+                <a:highlight>
+                  <a:srgbClr val="FFFFFF"/>
+                </a:highlight>
+                <a:latin typeface="Courier New"/>
+              </a:rPr>
+              <a:t>if</a:t>
+            </a:r>
+            <a:r>
+              <a:rPr lang="en-US" b="1" dirty="0">
+                <a:solidFill>
+                  <a:srgbClr val="000080"/>
+                </a:solidFill>
+                <a:highlight>
+                  <a:srgbClr val="FFFFFF"/>
+                </a:highlight>
+                <a:latin typeface="Courier New"/>
+              </a:rPr>
+              <a:t>(</a:t>
+            </a:r>
+            <a:r>
+              <a:rPr lang="en-US" dirty="0">
+                <a:solidFill>
+                  <a:srgbClr val="000000"/>
+                </a:solidFill>
+                <a:highlight>
+                  <a:srgbClr val="FFFFFF"/>
+                </a:highlight>
+                <a:latin typeface="Courier New"/>
+              </a:rPr>
+              <a:t>a </a:t>
+            </a:r>
+            <a:r>
+              <a:rPr lang="en-US" b="1" dirty="0">
+                <a:solidFill>
+                  <a:srgbClr val="000080"/>
+                </a:solidFill>
+                <a:highlight>
+                  <a:srgbClr val="FFFFFF"/>
+                </a:highlight>
+                <a:latin typeface="Courier New"/>
+              </a:rPr>
+              <a:t>&gt;=</a:t>
+            </a:r>
+            <a:r>
+              <a:rPr lang="en-US" dirty="0">
+                <a:solidFill>
+                  <a:srgbClr val="000000"/>
+                </a:solidFill>
+                <a:highlight>
+                  <a:srgbClr val="FFFFFF"/>
+                </a:highlight>
+                <a:latin typeface="Courier New"/>
+              </a:rPr>
+              <a:t>x</a:t>
+            </a:r>
+            <a:r>
+              <a:rPr lang="en-US" b="1" dirty="0">
+                <a:solidFill>
+                  <a:srgbClr val="000080"/>
+                </a:solidFill>
+                <a:highlight>
+                  <a:srgbClr val="FFFFFF"/>
+                </a:highlight>
+                <a:latin typeface="Courier New"/>
+              </a:rPr>
+              <a:t>)</a:t>
+            </a:r>
+            <a:endParaRPr lang="en-US" dirty="0">
+              <a:solidFill>
+                <a:srgbClr val="000000"/>
+              </a:solidFill>
+              <a:highlight>
+                <a:srgbClr val="FFFFFF"/>
+              </a:highlight>
+              <a:latin typeface="Courier New"/>
+            </a:endParaRPr>
+          </a:p>
+          <a:p>
+            <a:pPr marL="0" indent="0">
+              <a:buNone/>
+            </a:pPr>
+            <a:r>
+              <a:rPr lang="ru-RU" dirty="0">
+                <a:solidFill>
+                  <a:srgbClr val="000000"/>
+                </a:solidFill>
+                <a:highlight>
+                  <a:srgbClr val="FFFFFF"/>
+                </a:highlight>
+                <a:latin typeface="Courier New"/>
+              </a:rPr>
+              <a:t>			</a:t>
+            </a:r>
+            <a:r>
+              <a:rPr lang="ru-RU" b="1" dirty="0">
+                <a:solidFill>
+                  <a:srgbClr val="000080"/>
+                </a:solidFill>
+                <a:highlight>
+                  <a:srgbClr val="FFFFFF"/>
+                </a:highlight>
+                <a:latin typeface="Courier New"/>
+              </a:rPr>
+              <a:t>{</a:t>
+            </a:r>
+            <a:endParaRPr lang="ru-RU" dirty="0">
+              <a:solidFill>
+                <a:srgbClr val="000000"/>
+              </a:solidFill>
+              <a:highlight>
+                <a:srgbClr val="FFFFFF"/>
+              </a:highlight>
+              <a:latin typeface="Courier New"/>
+            </a:endParaRPr>
+          </a:p>
+          <a:p>
+            <a:pPr marL="0" indent="0">
+              <a:buNone/>
+            </a:pPr>
+            <a:r>
+              <a:rPr lang="en-US" dirty="0">
+                <a:solidFill>
+                  <a:srgbClr val="000000"/>
+                </a:solidFill>
+                <a:highlight>
+                  <a:srgbClr val="FFFFFF"/>
+                </a:highlight>
+                <a:latin typeface="Courier New"/>
+              </a:rPr>
+              <a:t>				d </a:t>
+            </a:r>
+            <a:r>
+              <a:rPr lang="en-US" b="1" dirty="0">
+                <a:solidFill>
+                  <a:srgbClr val="000080"/>
+                </a:solidFill>
+                <a:highlight>
+                  <a:srgbClr val="FFFFFF"/>
+                </a:highlight>
+                <a:latin typeface="Courier New"/>
+              </a:rPr>
+              <a:t>=</a:t>
+            </a:r>
+            <a:r>
+              <a:rPr lang="en-US" dirty="0">
+                <a:solidFill>
+                  <a:srgbClr val="000000"/>
+                </a:solidFill>
+                <a:highlight>
+                  <a:srgbClr val="FFFFFF"/>
+                </a:highlight>
+                <a:latin typeface="Courier New"/>
+              </a:rPr>
+              <a:t> </a:t>
+            </a:r>
+            <a:r>
+              <a:rPr lang="en-US" dirty="0">
+                <a:solidFill>
+                  <a:srgbClr val="FF8000"/>
+                </a:solidFill>
+                <a:highlight>
+                  <a:srgbClr val="FFFFFF"/>
+                </a:highlight>
+                <a:latin typeface="Courier New"/>
+              </a:rPr>
+              <a:t>1</a:t>
+            </a:r>
+            <a:r>
+              <a:rPr lang="en-US" b="1" dirty="0">
+                <a:solidFill>
+                  <a:srgbClr val="000080"/>
+                </a:solidFill>
+                <a:highlight>
+                  <a:srgbClr val="FFFFFF"/>
+                </a:highlight>
+                <a:latin typeface="Courier New"/>
+              </a:rPr>
+              <a:t>+</a:t>
+            </a:r>
+            <a:r>
+              <a:rPr lang="en-US" dirty="0">
+                <a:solidFill>
+                  <a:srgbClr val="000000"/>
+                </a:solidFill>
+                <a:highlight>
+                  <a:srgbClr val="FFFFFF"/>
+                </a:highlight>
+                <a:latin typeface="Courier New"/>
+              </a:rPr>
+              <a:t>Math</a:t>
+            </a:r>
+            <a:r>
+              <a:rPr lang="en-US" b="1" dirty="0">
+                <a:solidFill>
+                  <a:srgbClr val="000080"/>
+                </a:solidFill>
+                <a:highlight>
+                  <a:srgbClr val="FFFFFF"/>
+                </a:highlight>
+                <a:latin typeface="Courier New"/>
+              </a:rPr>
+              <a:t>.</a:t>
+            </a:r>
+            <a:r>
+              <a:rPr lang="en-US" dirty="0">
+                <a:solidFill>
+                  <a:srgbClr val="000000"/>
+                </a:solidFill>
+                <a:highlight>
+                  <a:srgbClr val="FFFFFF"/>
+                </a:highlight>
+                <a:latin typeface="Courier New"/>
+              </a:rPr>
+              <a:t>pow</a:t>
+            </a:r>
+            <a:r>
+              <a:rPr lang="en-US" b="1" dirty="0">
+                <a:solidFill>
+                  <a:srgbClr val="000080"/>
+                </a:solidFill>
+                <a:highlight>
+                  <a:srgbClr val="FFFFFF"/>
+                </a:highlight>
+                <a:latin typeface="Courier New"/>
+              </a:rPr>
+              <a:t>(</a:t>
+            </a:r>
+            <a:r>
+              <a:rPr lang="en-US" dirty="0">
+                <a:solidFill>
+                  <a:srgbClr val="000000"/>
+                </a:solidFill>
+                <a:highlight>
+                  <a:srgbClr val="FFFFFF"/>
+                </a:highlight>
+                <a:latin typeface="Courier New"/>
+              </a:rPr>
+              <a:t>x</a:t>
+            </a:r>
+            <a:r>
+              <a:rPr lang="en-US" b="1" dirty="0">
+                <a:solidFill>
+                  <a:srgbClr val="000080"/>
+                </a:solidFill>
+                <a:highlight>
+                  <a:srgbClr val="FFFFFF"/>
+                </a:highlight>
+                <a:latin typeface="Courier New"/>
+              </a:rPr>
+              <a:t>,</a:t>
+            </a:r>
+            <a:r>
+              <a:rPr lang="en-US" dirty="0">
+                <a:solidFill>
+                  <a:srgbClr val="000000"/>
+                </a:solidFill>
+                <a:highlight>
+                  <a:srgbClr val="FFFFFF"/>
+                </a:highlight>
+                <a:latin typeface="Courier New"/>
+              </a:rPr>
+              <a:t> a</a:t>
+            </a:r>
+            <a:r>
+              <a:rPr lang="en-US" b="1" dirty="0">
+                <a:solidFill>
+                  <a:srgbClr val="000080"/>
+                </a:solidFill>
+                <a:highlight>
+                  <a:srgbClr val="FFFFFF"/>
+                </a:highlight>
+                <a:latin typeface="Courier New"/>
+              </a:rPr>
+              <a:t>);</a:t>
+            </a:r>
+            <a:r>
+              <a:rPr lang="en-US" dirty="0">
+                <a:solidFill>
+                  <a:srgbClr val="000000"/>
+                </a:solidFill>
+                <a:highlight>
+                  <a:srgbClr val="FFFFFF"/>
+                </a:highlight>
+                <a:latin typeface="Courier New"/>
+              </a:rPr>
+              <a:t>			</a:t>
+            </a:r>
+            <a:r>
+              <a:rPr lang="en-US" dirty="0" smtClean="0">
+                <a:solidFill>
+                  <a:srgbClr val="000000"/>
+                </a:solidFill>
+                <a:highlight>
+                  <a:srgbClr val="FFFFFF"/>
+                </a:highlight>
+                <a:latin typeface="Courier New"/>
+              </a:rPr>
+              <a:t>		</a:t>
+            </a:r>
+            <a:r>
+              <a:rPr lang="en-US" b="1" dirty="0" smtClean="0">
+                <a:solidFill>
+                  <a:srgbClr val="000080"/>
+                </a:solidFill>
+                <a:highlight>
+                  <a:srgbClr val="FFFFFF"/>
+                </a:highlight>
+                <a:latin typeface="Courier New"/>
+              </a:rPr>
+              <a:t>}</a:t>
+            </a:r>
+            <a:endParaRPr lang="en-US" dirty="0">
+              <a:solidFill>
+                <a:srgbClr val="000000"/>
+              </a:solidFill>
+              <a:highlight>
+                <a:srgbClr val="FFFFFF"/>
+              </a:highlight>
+              <a:latin typeface="Courier New"/>
+            </a:endParaRPr>
+          </a:p>
+          <a:p>
+            <a:pPr marL="0" indent="0">
+              <a:buNone/>
+            </a:pPr>
+            <a:r>
+              <a:rPr lang="en-US" dirty="0">
+                <a:solidFill>
+                  <a:srgbClr val="000000"/>
+                </a:solidFill>
+                <a:highlight>
+                  <a:srgbClr val="FFFFFF"/>
+                </a:highlight>
+                <a:latin typeface="Courier New"/>
+              </a:rPr>
+              <a:t>			</a:t>
+            </a:r>
+            <a:r>
+              <a:rPr lang="en-US" b="1" dirty="0">
+                <a:solidFill>
+                  <a:srgbClr val="0000FF"/>
+                </a:solidFill>
+                <a:highlight>
+                  <a:srgbClr val="FFFFFF"/>
+                </a:highlight>
+                <a:latin typeface="Courier New"/>
+              </a:rPr>
+              <a:t>else</a:t>
+            </a:r>
+            <a:endParaRPr lang="en-US" dirty="0">
+              <a:solidFill>
+                <a:srgbClr val="000000"/>
+              </a:solidFill>
+              <a:highlight>
+                <a:srgbClr val="FFFFFF"/>
+              </a:highlight>
+              <a:latin typeface="Courier New"/>
+            </a:endParaRPr>
+          </a:p>
+          <a:p>
+            <a:pPr marL="0" indent="0">
+              <a:buNone/>
+            </a:pPr>
+            <a:r>
+              <a:rPr lang="ru-RU" dirty="0">
+                <a:solidFill>
+                  <a:srgbClr val="000000"/>
+                </a:solidFill>
+                <a:highlight>
+                  <a:srgbClr val="FFFFFF"/>
+                </a:highlight>
+                <a:latin typeface="Courier New"/>
+              </a:rPr>
+              <a:t>			</a:t>
+            </a:r>
+            <a:r>
+              <a:rPr lang="ru-RU" b="1" dirty="0">
+                <a:solidFill>
+                  <a:srgbClr val="000080"/>
+                </a:solidFill>
+                <a:highlight>
+                  <a:srgbClr val="FFFFFF"/>
+                </a:highlight>
+                <a:latin typeface="Courier New"/>
+              </a:rPr>
+              <a:t>{</a:t>
+            </a:r>
+            <a:endParaRPr lang="ru-RU" dirty="0">
+              <a:solidFill>
+                <a:srgbClr val="000000"/>
+              </a:solidFill>
+              <a:highlight>
+                <a:srgbClr val="FFFFFF"/>
+              </a:highlight>
+              <a:latin typeface="Courier New"/>
+            </a:endParaRPr>
+          </a:p>
+          <a:p>
+            <a:pPr marL="0" indent="0">
+              <a:buNone/>
+            </a:pPr>
+            <a:r>
+              <a:rPr lang="en-US" dirty="0">
+                <a:solidFill>
+                  <a:srgbClr val="000000"/>
+                </a:solidFill>
+                <a:highlight>
+                  <a:srgbClr val="FFFFFF"/>
+                </a:highlight>
+                <a:latin typeface="Courier New"/>
+              </a:rPr>
+              <a:t>				d </a:t>
+            </a:r>
+            <a:r>
+              <a:rPr lang="en-US" b="1" dirty="0">
+                <a:solidFill>
+                  <a:srgbClr val="000080"/>
+                </a:solidFill>
+                <a:highlight>
+                  <a:srgbClr val="FFFFFF"/>
+                </a:highlight>
+                <a:latin typeface="Courier New"/>
+              </a:rPr>
+              <a:t>=</a:t>
+            </a:r>
+            <a:r>
+              <a:rPr lang="en-US" dirty="0">
+                <a:solidFill>
+                  <a:srgbClr val="000000"/>
+                </a:solidFill>
+                <a:highlight>
+                  <a:srgbClr val="FFFFFF"/>
+                </a:highlight>
+                <a:latin typeface="Courier New"/>
+              </a:rPr>
+              <a:t> </a:t>
+            </a:r>
+            <a:r>
+              <a:rPr lang="en-US" dirty="0">
+                <a:solidFill>
+                  <a:srgbClr val="FF8000"/>
+                </a:solidFill>
+                <a:highlight>
+                  <a:srgbClr val="FFFFFF"/>
+                </a:highlight>
+                <a:latin typeface="Courier New"/>
+              </a:rPr>
+              <a:t>1</a:t>
+            </a:r>
+            <a:r>
+              <a:rPr lang="en-US" b="1" dirty="0">
+                <a:solidFill>
+                  <a:srgbClr val="000080"/>
+                </a:solidFill>
+                <a:highlight>
+                  <a:srgbClr val="FFFFFF"/>
+                </a:highlight>
+                <a:latin typeface="Courier New"/>
+              </a:rPr>
+              <a:t>+</a:t>
+            </a:r>
+            <a:r>
+              <a:rPr lang="en-US" dirty="0">
+                <a:solidFill>
+                  <a:srgbClr val="000000"/>
+                </a:solidFill>
+                <a:highlight>
+                  <a:srgbClr val="FFFFFF"/>
+                </a:highlight>
+                <a:latin typeface="Courier New"/>
+              </a:rPr>
+              <a:t>Math</a:t>
+            </a:r>
+            <a:r>
+              <a:rPr lang="en-US" b="1" dirty="0">
+                <a:solidFill>
+                  <a:srgbClr val="000080"/>
+                </a:solidFill>
+                <a:highlight>
+                  <a:srgbClr val="FFFFFF"/>
+                </a:highlight>
+                <a:latin typeface="Courier New"/>
+              </a:rPr>
+              <a:t>.</a:t>
+            </a:r>
+            <a:r>
+              <a:rPr lang="en-US" dirty="0">
+                <a:solidFill>
+                  <a:srgbClr val="000000"/>
+                </a:solidFill>
+                <a:highlight>
+                  <a:srgbClr val="FFFFFF"/>
+                </a:highlight>
+                <a:latin typeface="Courier New"/>
+              </a:rPr>
+              <a:t>sqrt</a:t>
+            </a:r>
+            <a:r>
+              <a:rPr lang="en-US" b="1" dirty="0">
+                <a:solidFill>
+                  <a:srgbClr val="000080"/>
+                </a:solidFill>
+                <a:highlight>
+                  <a:srgbClr val="FFFFFF"/>
+                </a:highlight>
+                <a:latin typeface="Courier New"/>
+              </a:rPr>
+              <a:t>(</a:t>
+            </a:r>
+            <a:r>
+              <a:rPr lang="en-US" dirty="0">
+                <a:solidFill>
+                  <a:srgbClr val="000000"/>
+                </a:solidFill>
+                <a:highlight>
+                  <a:srgbClr val="FFFFFF"/>
+                </a:highlight>
+                <a:latin typeface="Courier New"/>
+              </a:rPr>
+              <a:t>x</a:t>
+            </a:r>
+            <a:r>
+              <a:rPr lang="en-US" b="1" dirty="0">
+                <a:solidFill>
+                  <a:srgbClr val="000080"/>
+                </a:solidFill>
+                <a:highlight>
+                  <a:srgbClr val="FFFFFF"/>
+                </a:highlight>
+                <a:latin typeface="Courier New"/>
+              </a:rPr>
+              <a:t>-</a:t>
+            </a:r>
+            <a:r>
+              <a:rPr lang="en-US" dirty="0">
+                <a:solidFill>
+                  <a:srgbClr val="000000"/>
+                </a:solidFill>
+                <a:highlight>
+                  <a:srgbClr val="FFFFFF"/>
+                </a:highlight>
+                <a:latin typeface="Courier New"/>
+              </a:rPr>
+              <a:t>a</a:t>
+            </a:r>
+            <a:r>
+              <a:rPr lang="en-US" b="1" dirty="0">
+                <a:solidFill>
+                  <a:srgbClr val="000080"/>
+                </a:solidFill>
+                <a:highlight>
+                  <a:srgbClr val="FFFFFF"/>
+                </a:highlight>
+                <a:latin typeface="Courier New"/>
+              </a:rPr>
+              <a:t>);</a:t>
+            </a:r>
+            <a:endParaRPr lang="en-US" dirty="0">
+              <a:solidFill>
+                <a:srgbClr val="000000"/>
+              </a:solidFill>
+              <a:highlight>
+                <a:srgbClr val="FFFFFF"/>
+              </a:highlight>
+              <a:latin typeface="Courier New"/>
+            </a:endParaRPr>
+          </a:p>
+          <a:p>
+            <a:pPr marL="0" indent="0">
+              <a:buNone/>
+            </a:pPr>
+            <a:r>
+              <a:rPr lang="ru-RU" dirty="0">
+                <a:solidFill>
+                  <a:srgbClr val="000000"/>
+                </a:solidFill>
+                <a:highlight>
+                  <a:srgbClr val="FFFFFF"/>
+                </a:highlight>
+                <a:latin typeface="Courier New"/>
+              </a:rPr>
+              <a:t>			</a:t>
+            </a:r>
+            <a:r>
+              <a:rPr lang="ru-RU" b="1" dirty="0">
+                <a:solidFill>
+                  <a:srgbClr val="000080"/>
+                </a:solidFill>
+                <a:highlight>
+                  <a:srgbClr val="FFFFFF"/>
+                </a:highlight>
+                <a:latin typeface="Courier New"/>
+              </a:rPr>
+              <a:t>}</a:t>
+            </a:r>
+            <a:endParaRPr lang="ru-RU" dirty="0">
+              <a:solidFill>
+                <a:srgbClr val="000000"/>
+              </a:solidFill>
+              <a:highlight>
+                <a:srgbClr val="FFFFFF"/>
+              </a:highlight>
+              <a:latin typeface="Courier New"/>
+            </a:endParaRPr>
+          </a:p>
+          <a:p>
+            <a:pPr marL="0" indent="0">
+              <a:buNone/>
+            </a:pPr>
+            <a:r>
+              <a:rPr lang="ru-RU" dirty="0">
+                <a:solidFill>
+                  <a:srgbClr val="000000"/>
+                </a:solidFill>
+                <a:highlight>
+                  <a:srgbClr val="FFFFFF"/>
+                </a:highlight>
+                <a:latin typeface="Courier New"/>
+              </a:rPr>
+              <a:t>		</a:t>
+            </a:r>
+            <a:r>
+              <a:rPr lang="ru-RU" b="1" dirty="0">
+                <a:solidFill>
+                  <a:srgbClr val="000080"/>
+                </a:solidFill>
+                <a:highlight>
+                  <a:srgbClr val="FFFFFF"/>
+                </a:highlight>
+                <a:latin typeface="Courier New"/>
+              </a:rPr>
+              <a:t>}</a:t>
+            </a:r>
+            <a:endParaRPr lang="ru-RU" dirty="0">
+              <a:solidFill>
+                <a:srgbClr val="000000"/>
+              </a:solidFill>
+              <a:highlight>
+                <a:srgbClr val="FFFFFF"/>
+              </a:highlight>
+              <a:latin typeface="Courier New"/>
+            </a:endParaRPr>
+          </a:p>
+          <a:p>
+            <a:pPr marL="0" indent="0">
+              <a:buNone/>
+            </a:pPr>
+            <a:r>
+              <a:rPr lang="en-US" dirty="0">
+                <a:solidFill>
+                  <a:srgbClr val="000000"/>
+                </a:solidFill>
+                <a:highlight>
+                  <a:srgbClr val="FFFFFF"/>
+                </a:highlight>
+                <a:latin typeface="Courier New"/>
+              </a:rPr>
+              <a:t>		</a:t>
+            </a:r>
+            <a:r>
+              <a:rPr lang="en-US" b="1" dirty="0">
+                <a:solidFill>
+                  <a:srgbClr val="0000FF"/>
+                </a:solidFill>
+                <a:highlight>
+                  <a:srgbClr val="FFFFFF"/>
+                </a:highlight>
+                <a:latin typeface="Courier New"/>
+              </a:rPr>
+              <a:t>else</a:t>
+            </a:r>
+            <a:endParaRPr lang="en-US" dirty="0">
+              <a:solidFill>
+                <a:srgbClr val="000000"/>
+              </a:solidFill>
+              <a:highlight>
+                <a:srgbClr val="FFFFFF"/>
+              </a:highlight>
+              <a:latin typeface="Courier New"/>
+            </a:endParaRPr>
+          </a:p>
+          <a:p>
+            <a:pPr marL="0" indent="0">
+              <a:buNone/>
+            </a:pPr>
+            <a:r>
+              <a:rPr lang="ru-RU" dirty="0">
+                <a:solidFill>
+                  <a:srgbClr val="000000"/>
+                </a:solidFill>
+                <a:highlight>
+                  <a:srgbClr val="FFFFFF"/>
+                </a:highlight>
+                <a:latin typeface="Courier New"/>
+              </a:rPr>
+              <a:t>		</a:t>
+            </a:r>
+            <a:r>
+              <a:rPr lang="ru-RU" b="1" dirty="0">
+                <a:solidFill>
+                  <a:srgbClr val="000080"/>
+                </a:solidFill>
+                <a:highlight>
+                  <a:srgbClr val="FFFFFF"/>
+                </a:highlight>
+                <a:latin typeface="Courier New"/>
+              </a:rPr>
+              <a:t>{</a:t>
+            </a:r>
+            <a:endParaRPr lang="ru-RU" dirty="0">
+              <a:solidFill>
+                <a:srgbClr val="000000"/>
+              </a:solidFill>
+              <a:highlight>
+                <a:srgbClr val="FFFFFF"/>
+              </a:highlight>
+              <a:latin typeface="Courier New"/>
+            </a:endParaRPr>
+          </a:p>
+          <a:p>
+            <a:pPr marL="0" indent="0">
+              <a:buNone/>
+            </a:pPr>
+            <a:r>
+              <a:rPr lang="en-US" dirty="0">
+                <a:solidFill>
+                  <a:srgbClr val="000000"/>
+                </a:solidFill>
+                <a:highlight>
+                  <a:srgbClr val="FFFFFF"/>
+                </a:highlight>
+                <a:latin typeface="Courier New"/>
+              </a:rPr>
+              <a:t>			</a:t>
+            </a:r>
+            <a:r>
+              <a:rPr lang="en-US" dirty="0" err="1">
+                <a:solidFill>
+                  <a:srgbClr val="000000"/>
+                </a:solidFill>
+                <a:highlight>
+                  <a:srgbClr val="FFFFFF"/>
+                </a:highlight>
+                <a:latin typeface="Courier New"/>
+              </a:rPr>
+              <a:t>System</a:t>
+            </a:r>
+            <a:r>
+              <a:rPr lang="en-US" b="1" dirty="0" err="1">
+                <a:solidFill>
+                  <a:srgbClr val="000080"/>
+                </a:solidFill>
+                <a:highlight>
+                  <a:srgbClr val="FFFFFF"/>
+                </a:highlight>
+                <a:latin typeface="Courier New"/>
+              </a:rPr>
+              <a:t>.</a:t>
+            </a:r>
+            <a:r>
+              <a:rPr lang="en-US" dirty="0" err="1">
+                <a:solidFill>
+                  <a:srgbClr val="000000"/>
+                </a:solidFill>
+                <a:highlight>
+                  <a:srgbClr val="FFFFFF"/>
+                </a:highlight>
+                <a:latin typeface="Courier New"/>
+              </a:rPr>
+              <a:t>out</a:t>
+            </a:r>
+            <a:r>
+              <a:rPr lang="en-US" b="1" dirty="0" err="1">
+                <a:solidFill>
+                  <a:srgbClr val="000080"/>
+                </a:solidFill>
+                <a:highlight>
+                  <a:srgbClr val="FFFFFF"/>
+                </a:highlight>
+                <a:latin typeface="Courier New"/>
+              </a:rPr>
+              <a:t>.</a:t>
+            </a:r>
+            <a:r>
+              <a:rPr lang="en-US" dirty="0" err="1">
+                <a:solidFill>
+                  <a:srgbClr val="000000"/>
+                </a:solidFill>
+                <a:highlight>
+                  <a:srgbClr val="FFFFFF"/>
+                </a:highlight>
+                <a:latin typeface="Courier New"/>
+              </a:rPr>
+              <a:t>println</a:t>
+            </a:r>
+            <a:r>
+              <a:rPr lang="en-US" b="1" dirty="0">
+                <a:solidFill>
+                  <a:srgbClr val="000080"/>
+                </a:solidFill>
+                <a:highlight>
+                  <a:srgbClr val="FFFFFF"/>
+                </a:highlight>
+                <a:latin typeface="Courier New"/>
+              </a:rPr>
+              <a:t>(</a:t>
+            </a:r>
+            <a:r>
+              <a:rPr lang="en-US" dirty="0">
+                <a:solidFill>
+                  <a:srgbClr val="808080"/>
+                </a:solidFill>
+                <a:highlight>
+                  <a:srgbClr val="FFFFFF"/>
+                </a:highlight>
+                <a:latin typeface="Courier New"/>
+              </a:rPr>
+              <a:t>"Error!"</a:t>
+            </a:r>
+            <a:r>
+              <a:rPr lang="en-US" b="1" dirty="0">
+                <a:solidFill>
+                  <a:srgbClr val="000080"/>
+                </a:solidFill>
+                <a:highlight>
+                  <a:srgbClr val="FFFFFF"/>
+                </a:highlight>
+                <a:latin typeface="Courier New"/>
+              </a:rPr>
+              <a:t>);</a:t>
+            </a:r>
+            <a:endParaRPr lang="en-US" dirty="0">
+              <a:solidFill>
+                <a:srgbClr val="000000"/>
+              </a:solidFill>
+              <a:highlight>
+                <a:srgbClr val="FFFFFF"/>
+              </a:highlight>
+              <a:latin typeface="Courier New"/>
+            </a:endParaRPr>
+          </a:p>
+          <a:p>
+            <a:pPr marL="0" indent="0">
+              <a:buNone/>
+            </a:pPr>
+            <a:r>
+              <a:rPr lang="ru-RU" dirty="0">
+                <a:solidFill>
+                  <a:srgbClr val="000000"/>
+                </a:solidFill>
+                <a:highlight>
+                  <a:srgbClr val="FFFFFF"/>
+                </a:highlight>
+                <a:latin typeface="Courier New"/>
+              </a:rPr>
+              <a:t>		</a:t>
+            </a:r>
+            <a:r>
+              <a:rPr lang="ru-RU" b="1" dirty="0">
+                <a:solidFill>
+                  <a:srgbClr val="000080"/>
+                </a:solidFill>
+                <a:highlight>
+                  <a:srgbClr val="FFFFFF"/>
+                </a:highlight>
+                <a:latin typeface="Courier New"/>
+              </a:rPr>
+              <a:t>}</a:t>
+            </a:r>
+            <a:endParaRPr lang="ru-RU" dirty="0">
+              <a:solidFill>
+                <a:srgbClr val="000000"/>
+              </a:solidFill>
+              <a:highlight>
+                <a:srgbClr val="FFFFFF"/>
+              </a:highlight>
+              <a:latin typeface="Courier New"/>
+            </a:endParaRPr>
+          </a:p>
+          <a:p>
+            <a:pPr marL="0" indent="0">
+              <a:buNone/>
+            </a:pPr>
+            <a:r>
+              <a:rPr lang="en-US" dirty="0">
+                <a:solidFill>
+                  <a:srgbClr val="000000"/>
+                </a:solidFill>
+                <a:highlight>
+                  <a:srgbClr val="FFFFFF"/>
+                </a:highlight>
+                <a:latin typeface="Courier New"/>
+              </a:rPr>
+              <a:t>		</a:t>
+            </a:r>
+            <a:r>
+              <a:rPr lang="en-US" b="1" dirty="0">
+                <a:solidFill>
+                  <a:srgbClr val="0000FF"/>
+                </a:solidFill>
+                <a:highlight>
+                  <a:srgbClr val="FFFFFF"/>
+                </a:highlight>
+                <a:latin typeface="Courier New"/>
+              </a:rPr>
+              <a:t>return</a:t>
+            </a:r>
+            <a:r>
+              <a:rPr lang="en-US" dirty="0">
+                <a:solidFill>
+                  <a:srgbClr val="000000"/>
+                </a:solidFill>
+                <a:highlight>
+                  <a:srgbClr val="FFFFFF"/>
+                </a:highlight>
+                <a:latin typeface="Courier New"/>
+              </a:rPr>
+              <a:t> </a:t>
+            </a:r>
+            <a:r>
+              <a:rPr lang="en-US" dirty="0" err="1">
+                <a:solidFill>
+                  <a:srgbClr val="000000"/>
+                </a:solidFill>
+                <a:highlight>
+                  <a:srgbClr val="FFFFFF"/>
+                </a:highlight>
+                <a:latin typeface="Courier New"/>
+              </a:rPr>
+              <a:t>firstpart</a:t>
+            </a:r>
+            <a:r>
+              <a:rPr lang="en-US" b="1" dirty="0">
+                <a:solidFill>
+                  <a:srgbClr val="000080"/>
+                </a:solidFill>
+                <a:highlight>
+                  <a:srgbClr val="FFFFFF"/>
+                </a:highlight>
+                <a:latin typeface="Courier New"/>
+              </a:rPr>
+              <a:t>(</a:t>
+            </a:r>
+            <a:r>
+              <a:rPr lang="en-US" dirty="0">
+                <a:solidFill>
+                  <a:srgbClr val="000000"/>
+                </a:solidFill>
+                <a:highlight>
+                  <a:srgbClr val="FFFFFF"/>
+                </a:highlight>
+                <a:latin typeface="Courier New"/>
+              </a:rPr>
+              <a:t>x</a:t>
+            </a:r>
+            <a:r>
+              <a:rPr lang="en-US" b="1" dirty="0">
+                <a:solidFill>
+                  <a:srgbClr val="000080"/>
+                </a:solidFill>
+                <a:highlight>
+                  <a:srgbClr val="FFFFFF"/>
+                </a:highlight>
+                <a:latin typeface="Courier New"/>
+              </a:rPr>
+              <a:t>)+</a:t>
+            </a:r>
+            <a:r>
+              <a:rPr lang="en-US" dirty="0">
+                <a:solidFill>
+                  <a:srgbClr val="000000"/>
+                </a:solidFill>
+                <a:highlight>
+                  <a:srgbClr val="FFFFFF"/>
+                </a:highlight>
+                <a:latin typeface="Courier New"/>
+              </a:rPr>
+              <a:t>d</a:t>
+            </a:r>
+            <a:r>
+              <a:rPr lang="en-US" b="1" dirty="0">
+                <a:solidFill>
+                  <a:srgbClr val="000080"/>
+                </a:solidFill>
+                <a:highlight>
+                  <a:srgbClr val="FFFFFF"/>
+                </a:highlight>
+                <a:latin typeface="Courier New"/>
+              </a:rPr>
+              <a:t>;</a:t>
+            </a:r>
+            <a:endParaRPr lang="en-US" dirty="0">
+              <a:solidFill>
+                <a:srgbClr val="000000"/>
+              </a:solidFill>
+              <a:highlight>
+                <a:srgbClr val="FFFFFF"/>
+              </a:highlight>
+              <a:latin typeface="Courier New"/>
+            </a:endParaRPr>
+          </a:p>
+          <a:p>
+            <a:pPr marL="0" indent="0">
+              <a:buNone/>
+            </a:pPr>
+            <a:r>
+              <a:rPr lang="ru-RU" dirty="0">
+                <a:solidFill>
+                  <a:srgbClr val="000000"/>
+                </a:solidFill>
+                <a:highlight>
+                  <a:srgbClr val="FFFFFF"/>
+                </a:highlight>
+                <a:latin typeface="Courier New"/>
+              </a:rPr>
+              <a:t>	</a:t>
+            </a:r>
+            <a:r>
+              <a:rPr lang="ru-RU" b="1" dirty="0">
+                <a:solidFill>
+                  <a:srgbClr val="000080"/>
+                </a:solidFill>
+                <a:highlight>
+                  <a:srgbClr val="FFFFFF"/>
+                </a:highlight>
+                <a:latin typeface="Courier New"/>
+              </a:rPr>
+              <a:t>}</a:t>
+            </a:r>
+            <a:endParaRPr lang="ru-RU" dirty="0">
+              <a:solidFill>
+                <a:srgbClr val="000000"/>
+              </a:solidFill>
+              <a:highlight>
+                <a:srgbClr val="FFFFFF"/>
+              </a:highlight>
+              <a:latin typeface="Courier New"/>
+            </a:endParaRPr>
+          </a:p>
+          <a:p>
+            <a:pPr marL="0" indent="0">
+              <a:buNone/>
+            </a:pPr>
+            <a:r>
+              <a:rPr lang="ru-RU" dirty="0">
+                <a:solidFill>
+                  <a:srgbClr val="000000"/>
+                </a:solidFill>
+                <a:highlight>
+                  <a:srgbClr val="FFFFFF"/>
+                </a:highlight>
+                <a:latin typeface="Courier New"/>
+              </a:rPr>
+              <a:t>	</a:t>
+            </a:r>
+          </a:p>
+          <a:p>
+            <a:pPr marL="0" indent="0">
+              <a:buNone/>
+            </a:pPr>
+            <a:r>
+              <a:rPr lang="en-US" dirty="0">
+                <a:solidFill>
+                  <a:srgbClr val="000000"/>
+                </a:solidFill>
+                <a:highlight>
+                  <a:srgbClr val="FFFFFF"/>
+                </a:highlight>
+                <a:latin typeface="Courier New"/>
+              </a:rPr>
+              <a:t>	</a:t>
+            </a:r>
+            <a:r>
+              <a:rPr lang="en-US" dirty="0">
+                <a:solidFill>
+                  <a:srgbClr val="8000FF"/>
+                </a:solidFill>
+                <a:highlight>
+                  <a:srgbClr val="FFFFFF"/>
+                </a:highlight>
+                <a:latin typeface="Courier New"/>
+              </a:rPr>
+              <a:t>public</a:t>
+            </a:r>
+            <a:r>
+              <a:rPr lang="en-US" dirty="0">
+                <a:solidFill>
+                  <a:srgbClr val="000000"/>
+                </a:solidFill>
+                <a:highlight>
+                  <a:srgbClr val="FFFFFF"/>
+                </a:highlight>
+                <a:latin typeface="Courier New"/>
+              </a:rPr>
+              <a:t> </a:t>
+            </a:r>
+            <a:r>
+              <a:rPr lang="en-US" dirty="0">
+                <a:solidFill>
+                  <a:srgbClr val="8000FF"/>
+                </a:solidFill>
+                <a:highlight>
+                  <a:srgbClr val="FFFFFF"/>
+                </a:highlight>
+                <a:latin typeface="Courier New"/>
+              </a:rPr>
+              <a:t>double</a:t>
+            </a:r>
+            <a:r>
+              <a:rPr lang="en-US" dirty="0">
+                <a:solidFill>
+                  <a:srgbClr val="000000"/>
+                </a:solidFill>
+                <a:highlight>
+                  <a:srgbClr val="FFFFFF"/>
+                </a:highlight>
+                <a:latin typeface="Courier New"/>
+              </a:rPr>
+              <a:t> </a:t>
+            </a:r>
+            <a:r>
+              <a:rPr lang="en-US" dirty="0" err="1">
+                <a:solidFill>
+                  <a:srgbClr val="000000"/>
+                </a:solidFill>
+                <a:highlight>
+                  <a:srgbClr val="FFFFFF"/>
+                </a:highlight>
+                <a:latin typeface="Courier New"/>
+              </a:rPr>
+              <a:t>firstpart</a:t>
+            </a:r>
+            <a:r>
+              <a:rPr lang="en-US" b="1" dirty="0">
+                <a:solidFill>
+                  <a:srgbClr val="000080"/>
+                </a:solidFill>
+                <a:highlight>
+                  <a:srgbClr val="FFFFFF"/>
+                </a:highlight>
+                <a:latin typeface="Courier New"/>
+              </a:rPr>
+              <a:t>(</a:t>
+            </a:r>
+            <a:r>
+              <a:rPr lang="en-US" dirty="0">
+                <a:solidFill>
+                  <a:srgbClr val="8000FF"/>
+                </a:solidFill>
+                <a:highlight>
+                  <a:srgbClr val="FFFFFF"/>
+                </a:highlight>
+                <a:latin typeface="Courier New"/>
+              </a:rPr>
+              <a:t>double</a:t>
+            </a:r>
+            <a:r>
+              <a:rPr lang="en-US" dirty="0">
+                <a:solidFill>
+                  <a:srgbClr val="000000"/>
+                </a:solidFill>
+                <a:highlight>
+                  <a:srgbClr val="FFFFFF"/>
+                </a:highlight>
+                <a:latin typeface="Courier New"/>
+              </a:rPr>
+              <a:t> x</a:t>
+            </a:r>
+            <a:r>
+              <a:rPr lang="en-US" b="1" dirty="0">
+                <a:solidFill>
+                  <a:srgbClr val="000080"/>
+                </a:solidFill>
+                <a:highlight>
+                  <a:srgbClr val="FFFFFF"/>
+                </a:highlight>
+                <a:latin typeface="Courier New"/>
+              </a:rPr>
+              <a:t>)</a:t>
+            </a:r>
+            <a:endParaRPr lang="en-US" dirty="0">
+              <a:solidFill>
+                <a:srgbClr val="000000"/>
+              </a:solidFill>
+              <a:highlight>
+                <a:srgbClr val="FFFFFF"/>
+              </a:highlight>
+              <a:latin typeface="Courier New"/>
+            </a:endParaRPr>
+          </a:p>
+          <a:p>
+            <a:pPr marL="0" indent="0">
+              <a:buNone/>
+            </a:pPr>
+            <a:r>
+              <a:rPr lang="ru-RU" dirty="0">
+                <a:solidFill>
+                  <a:srgbClr val="000000"/>
+                </a:solidFill>
+                <a:highlight>
+                  <a:srgbClr val="FFFFFF"/>
+                </a:highlight>
+                <a:latin typeface="Courier New"/>
+              </a:rPr>
+              <a:t>	</a:t>
+            </a:r>
+            <a:r>
+              <a:rPr lang="ru-RU" b="1" dirty="0">
+                <a:solidFill>
+                  <a:srgbClr val="000080"/>
+                </a:solidFill>
+                <a:highlight>
+                  <a:srgbClr val="FFFFFF"/>
+                </a:highlight>
+                <a:latin typeface="Courier New"/>
+              </a:rPr>
+              <a:t>{</a:t>
+            </a:r>
+            <a:endParaRPr lang="ru-RU" dirty="0">
+              <a:solidFill>
+                <a:srgbClr val="000000"/>
+              </a:solidFill>
+              <a:highlight>
+                <a:srgbClr val="FFFFFF"/>
+              </a:highlight>
+              <a:latin typeface="Courier New"/>
+            </a:endParaRPr>
+          </a:p>
+          <a:p>
+            <a:pPr marL="0" indent="0">
+              <a:buNone/>
+            </a:pPr>
+            <a:r>
+              <a:rPr lang="en-US" dirty="0">
+                <a:solidFill>
+                  <a:srgbClr val="000000"/>
+                </a:solidFill>
+                <a:highlight>
+                  <a:srgbClr val="FFFFFF"/>
+                </a:highlight>
+                <a:latin typeface="Courier New"/>
+              </a:rPr>
+              <a:t>		</a:t>
+            </a:r>
+            <a:r>
+              <a:rPr lang="en-US" b="1" dirty="0">
+                <a:solidFill>
+                  <a:srgbClr val="0000FF"/>
+                </a:solidFill>
+                <a:highlight>
+                  <a:srgbClr val="FFFFFF"/>
+                </a:highlight>
+                <a:latin typeface="Courier New"/>
+              </a:rPr>
+              <a:t>return</a:t>
+            </a:r>
+            <a:r>
+              <a:rPr lang="en-US" dirty="0">
+                <a:solidFill>
+                  <a:srgbClr val="000000"/>
+                </a:solidFill>
+                <a:highlight>
+                  <a:srgbClr val="FFFFFF"/>
+                </a:highlight>
+                <a:latin typeface="Courier New"/>
+              </a:rPr>
+              <a:t> </a:t>
+            </a:r>
+            <a:r>
+              <a:rPr lang="en-US" b="1" dirty="0">
+                <a:solidFill>
+                  <a:srgbClr val="000080"/>
+                </a:solidFill>
+                <a:highlight>
+                  <a:srgbClr val="FFFFFF"/>
+                </a:highlight>
+                <a:latin typeface="Courier New"/>
+              </a:rPr>
+              <a:t>(</a:t>
+            </a:r>
+            <a:r>
+              <a:rPr lang="en-US" dirty="0">
+                <a:solidFill>
+                  <a:srgbClr val="FF8000"/>
+                </a:solidFill>
+                <a:highlight>
+                  <a:srgbClr val="FFFFFF"/>
+                </a:highlight>
+                <a:latin typeface="Courier New"/>
+              </a:rPr>
+              <a:t>1</a:t>
+            </a:r>
+            <a:r>
+              <a:rPr lang="en-US" b="1" dirty="0">
+                <a:solidFill>
+                  <a:srgbClr val="000080"/>
+                </a:solidFill>
+                <a:highlight>
+                  <a:srgbClr val="FFFFFF"/>
+                </a:highlight>
+                <a:latin typeface="Courier New"/>
+              </a:rPr>
+              <a:t>+</a:t>
+            </a:r>
+            <a:r>
+              <a:rPr lang="en-US" dirty="0">
+                <a:solidFill>
+                  <a:srgbClr val="000000"/>
+                </a:solidFill>
+                <a:highlight>
+                  <a:srgbClr val="FFFFFF"/>
+                </a:highlight>
+                <a:latin typeface="Courier New"/>
+              </a:rPr>
+              <a:t>Math</a:t>
+            </a:r>
+            <a:r>
+              <a:rPr lang="en-US" b="1" dirty="0">
+                <a:solidFill>
+                  <a:srgbClr val="000080"/>
+                </a:solidFill>
+                <a:highlight>
+                  <a:srgbClr val="FFFFFF"/>
+                </a:highlight>
+                <a:latin typeface="Courier New"/>
+              </a:rPr>
+              <a:t>.</a:t>
+            </a:r>
+            <a:r>
+              <a:rPr lang="en-US" dirty="0">
+                <a:solidFill>
+                  <a:srgbClr val="000000"/>
+                </a:solidFill>
+                <a:highlight>
+                  <a:srgbClr val="FFFFFF"/>
+                </a:highlight>
+                <a:latin typeface="Courier New"/>
+              </a:rPr>
+              <a:t>sqrt</a:t>
+            </a:r>
+            <a:r>
+              <a:rPr lang="en-US" b="1" dirty="0">
+                <a:solidFill>
+                  <a:srgbClr val="000080"/>
+                </a:solidFill>
+                <a:highlight>
+                  <a:srgbClr val="FFFFFF"/>
+                </a:highlight>
+                <a:latin typeface="Courier New"/>
+              </a:rPr>
+              <a:t>(</a:t>
+            </a:r>
+            <a:r>
+              <a:rPr lang="en-US" dirty="0">
+                <a:solidFill>
+                  <a:srgbClr val="000000"/>
+                </a:solidFill>
+                <a:highlight>
+                  <a:srgbClr val="FFFFFF"/>
+                </a:highlight>
+                <a:latin typeface="Courier New"/>
+              </a:rPr>
+              <a:t>x</a:t>
+            </a:r>
+            <a:r>
+              <a:rPr lang="en-US" b="1" dirty="0">
+                <a:solidFill>
+                  <a:srgbClr val="000080"/>
+                </a:solidFill>
+                <a:highlight>
+                  <a:srgbClr val="FFFFFF"/>
+                </a:highlight>
+                <a:latin typeface="Courier New"/>
+              </a:rPr>
+              <a:t>))/(</a:t>
+            </a:r>
+            <a:r>
+              <a:rPr lang="en-US" dirty="0" err="1">
+                <a:solidFill>
+                  <a:srgbClr val="000000"/>
+                </a:solidFill>
+                <a:highlight>
+                  <a:srgbClr val="FFFFFF"/>
+                </a:highlight>
+                <a:latin typeface="Courier New"/>
+              </a:rPr>
+              <a:t>Math</a:t>
+            </a:r>
+            <a:r>
+              <a:rPr lang="en-US" b="1" dirty="0" err="1">
+                <a:solidFill>
+                  <a:srgbClr val="000080"/>
+                </a:solidFill>
+                <a:highlight>
+                  <a:srgbClr val="FFFFFF"/>
+                </a:highlight>
+                <a:latin typeface="Courier New"/>
+              </a:rPr>
+              <a:t>.</a:t>
+            </a:r>
+            <a:r>
+              <a:rPr lang="en-US" dirty="0" err="1">
+                <a:solidFill>
+                  <a:srgbClr val="000000"/>
+                </a:solidFill>
+                <a:highlight>
+                  <a:srgbClr val="FFFFFF"/>
+                </a:highlight>
+                <a:latin typeface="Courier New"/>
+              </a:rPr>
+              <a:t>pow</a:t>
+            </a:r>
+            <a:r>
+              <a:rPr lang="en-US" b="1" dirty="0">
+                <a:solidFill>
+                  <a:srgbClr val="000080"/>
+                </a:solidFill>
+                <a:highlight>
+                  <a:srgbClr val="FFFFFF"/>
+                </a:highlight>
+                <a:latin typeface="Courier New"/>
+              </a:rPr>
+              <a:t>((</a:t>
+            </a:r>
+            <a:r>
+              <a:rPr lang="en-US" dirty="0">
+                <a:solidFill>
+                  <a:srgbClr val="FF8000"/>
+                </a:solidFill>
+                <a:highlight>
+                  <a:srgbClr val="FFFFFF"/>
+                </a:highlight>
+                <a:latin typeface="Courier New"/>
+              </a:rPr>
+              <a:t>1</a:t>
+            </a:r>
+            <a:r>
+              <a:rPr lang="en-US" b="1" dirty="0">
+                <a:solidFill>
+                  <a:srgbClr val="000080"/>
+                </a:solidFill>
+                <a:highlight>
+                  <a:srgbClr val="FFFFFF"/>
+                </a:highlight>
+                <a:latin typeface="Courier New"/>
+              </a:rPr>
+              <a:t>+</a:t>
+            </a:r>
+            <a:r>
+              <a:rPr lang="en-US" dirty="0">
+                <a:solidFill>
+                  <a:srgbClr val="000000"/>
+                </a:solidFill>
+                <a:highlight>
+                  <a:srgbClr val="FFFFFF"/>
+                </a:highlight>
+                <a:latin typeface="Courier New"/>
+              </a:rPr>
+              <a:t>Math</a:t>
+            </a:r>
+            <a:r>
+              <a:rPr lang="en-US" b="1" dirty="0">
+                <a:solidFill>
+                  <a:srgbClr val="000080"/>
+                </a:solidFill>
+                <a:highlight>
+                  <a:srgbClr val="FFFFFF"/>
+                </a:highlight>
+                <a:latin typeface="Courier New"/>
+              </a:rPr>
+              <a:t>.</a:t>
+            </a:r>
+            <a:r>
+              <a:rPr lang="en-US" dirty="0">
+                <a:solidFill>
+                  <a:srgbClr val="000000"/>
+                </a:solidFill>
+                <a:highlight>
+                  <a:srgbClr val="FFFFFF"/>
+                </a:highlight>
+                <a:latin typeface="Courier New"/>
+              </a:rPr>
+              <a:t>sqrt</a:t>
+            </a:r>
+            <a:r>
+              <a:rPr lang="en-US" b="1" dirty="0">
+                <a:solidFill>
+                  <a:srgbClr val="000080"/>
+                </a:solidFill>
+                <a:highlight>
+                  <a:srgbClr val="FFFFFF"/>
+                </a:highlight>
+                <a:latin typeface="Courier New"/>
+              </a:rPr>
+              <a:t>(</a:t>
+            </a:r>
+            <a:r>
+              <a:rPr lang="en-US" dirty="0">
+                <a:solidFill>
+                  <a:srgbClr val="000000"/>
+                </a:solidFill>
+                <a:highlight>
+                  <a:srgbClr val="FFFFFF"/>
+                </a:highlight>
+                <a:latin typeface="Courier New"/>
+              </a:rPr>
+              <a:t>x</a:t>
+            </a:r>
+            <a:r>
+              <a:rPr lang="en-US" b="1" dirty="0">
+                <a:solidFill>
+                  <a:srgbClr val="000080"/>
+                </a:solidFill>
+                <a:highlight>
+                  <a:srgbClr val="FFFFFF"/>
+                </a:highlight>
+                <a:latin typeface="Courier New"/>
+              </a:rPr>
+              <a:t>)),</a:t>
+            </a:r>
+            <a:r>
+              <a:rPr lang="en-US" dirty="0">
+                <a:solidFill>
+                  <a:srgbClr val="000000"/>
+                </a:solidFill>
+                <a:highlight>
+                  <a:srgbClr val="FFFFFF"/>
+                </a:highlight>
+                <a:latin typeface="Courier New"/>
+              </a:rPr>
+              <a:t> </a:t>
+            </a:r>
+            <a:r>
+              <a:rPr lang="en-US" dirty="0">
+                <a:solidFill>
+                  <a:srgbClr val="FF8000"/>
+                </a:solidFill>
+                <a:highlight>
+                  <a:srgbClr val="FFFFFF"/>
+                </a:highlight>
+                <a:latin typeface="Courier New"/>
+              </a:rPr>
+              <a:t>2</a:t>
+            </a:r>
+            <a:r>
+              <a:rPr lang="en-US" b="1" dirty="0">
+                <a:solidFill>
+                  <a:srgbClr val="000080"/>
+                </a:solidFill>
+                <a:highlight>
+                  <a:srgbClr val="FFFFFF"/>
+                </a:highlight>
+                <a:latin typeface="Courier New"/>
+              </a:rPr>
+              <a:t>));</a:t>
+            </a:r>
+            <a:endParaRPr lang="en-US" dirty="0">
+              <a:solidFill>
+                <a:srgbClr val="000000"/>
+              </a:solidFill>
+              <a:highlight>
+                <a:srgbClr val="FFFFFF"/>
+              </a:highlight>
+              <a:latin typeface="Courier New"/>
+            </a:endParaRPr>
+          </a:p>
+          <a:p>
+            <a:pPr marL="0" indent="0">
+              <a:buNone/>
+            </a:pPr>
+            <a:r>
+              <a:rPr lang="ru-RU" dirty="0">
+                <a:solidFill>
+                  <a:srgbClr val="000000"/>
+                </a:solidFill>
+                <a:highlight>
+                  <a:srgbClr val="FFFFFF"/>
+                </a:highlight>
+                <a:latin typeface="Courier New"/>
+              </a:rPr>
+              <a:t>	</a:t>
+            </a:r>
+            <a:r>
+              <a:rPr lang="ru-RU" b="1" dirty="0">
+                <a:solidFill>
+                  <a:srgbClr val="000080"/>
+                </a:solidFill>
+                <a:highlight>
+                  <a:srgbClr val="FFFFFF"/>
+                </a:highlight>
+                <a:latin typeface="Courier New"/>
+              </a:rPr>
+              <a:t>}</a:t>
+            </a:r>
+            <a:endParaRPr lang="ru-RU" dirty="0">
+              <a:solidFill>
+                <a:srgbClr val="000000"/>
+              </a:solidFill>
+              <a:highlight>
+                <a:srgbClr val="FFFFFF"/>
+              </a:highlight>
+              <a:latin typeface="Courier New"/>
+            </a:endParaRPr>
+          </a:p>
+          <a:p>
+            <a:pPr marL="0" indent="0">
+              <a:buNone/>
+            </a:pPr>
+            <a:r>
+              <a:rPr lang="ru-RU" dirty="0">
+                <a:solidFill>
+                  <a:srgbClr val="000000"/>
+                </a:solidFill>
+                <a:highlight>
+                  <a:srgbClr val="FFFFFF"/>
+                </a:highlight>
+                <a:latin typeface="Courier New"/>
+              </a:rPr>
+              <a:t>	</a:t>
+            </a:r>
+          </a:p>
+          <a:p>
+            <a:pPr marL="0" indent="0">
+              <a:buNone/>
+            </a:pPr>
+            <a:r>
+              <a:rPr lang="ru-RU" b="1" dirty="0" smtClean="0">
+                <a:solidFill>
+                  <a:srgbClr val="000080"/>
+                </a:solidFill>
+                <a:highlight>
+                  <a:srgbClr val="FFFFFF"/>
+                </a:highlight>
+                <a:latin typeface="Courier New"/>
+              </a:rPr>
+              <a:t>}</a:t>
+            </a:r>
+            <a:endParaRPr lang="ru-RU" dirty="0"/>
+          </a:p>
+        </p:txBody>
+      </p:sp>
+    </p:spTree>
+    <p:extLst>
+      <p:ext uri="{BB962C8B-B14F-4D97-AF65-F5344CB8AC3E}">
+        <p14:creationId xmlns:p14="http://schemas.microsoft.com/office/powerpoint/2010/main" val="1416509525"/>
+      </p:ext>
+    </p:extLst>
+  </p:cSld>
+  <p:clrMapOvr>
+    <a:masterClrMapping/>
+  </p:clrMapOvr>
+</p:sld>
+</file>
+
+<file path=ppt/slides/slide19.xml><?xml version="1.0" encoding="utf-8"?>
+<p:sld xmlns:a="http://schemas.openxmlformats.org/drawingml/2006/main" xmlns:r="http://schemas.openxmlformats.org/officeDocument/2006/relationships" xmlns:p="http://schemas.openxmlformats.org/presentationml/2006/main">
+  <p:cSld>
+    <p:spTree>
+      <p:nvGrpSpPr>
+        <p:cNvPr id="1" name=""/>
+        <p:cNvGrpSpPr/>
+        <p:nvPr/>
+      </p:nvGrpSpPr>
+      <p:grpSpPr>
+        <a:xfrm>
+          <a:off x="0" y="0"/>
+          <a:ext cx="0" cy="0"/>
+          <a:chOff x="0" y="0"/>
+          <a:chExt cx="0" cy="0"/>
+        </a:xfrm>
+      </p:grpSpPr>
+      <p:sp>
+        <p:nvSpPr>
+          <p:cNvPr id="3" name="Объект 2"/>
+          <p:cNvSpPr>
+            <a:spLocks noGrp="1"/>
+          </p:cNvSpPr>
+          <p:nvPr>
+            <p:ph idx="1"/>
+          </p:nvPr>
+        </p:nvSpPr>
+        <p:spPr>
+          <a:xfrm>
+            <a:off x="457200" y="332656"/>
+            <a:ext cx="8229600" cy="5793507"/>
+          </a:xfrm>
+        </p:spPr>
+        <p:txBody>
+          <a:bodyPr>
+            <a:noAutofit/>
+          </a:bodyPr>
+          <a:lstStyle/>
+          <a:p>
+            <a:pPr marL="0" indent="0">
+              <a:buNone/>
+            </a:pPr>
+            <a:r>
+              <a:rPr lang="en-US" sz="2000" dirty="0">
+                <a:solidFill>
+                  <a:srgbClr val="8000FF"/>
+                </a:solidFill>
+                <a:highlight>
+                  <a:srgbClr val="FFFFFF"/>
+                </a:highlight>
+                <a:latin typeface="Courier New"/>
+              </a:rPr>
+              <a:t>public</a:t>
+            </a:r>
+            <a:r>
+              <a:rPr lang="en-US" sz="2000" dirty="0">
+                <a:solidFill>
+                  <a:srgbClr val="000000"/>
+                </a:solidFill>
+                <a:highlight>
+                  <a:srgbClr val="FFFFFF"/>
+                </a:highlight>
+                <a:latin typeface="Courier New"/>
+              </a:rPr>
+              <a:t> </a:t>
+            </a:r>
+            <a:r>
+              <a:rPr lang="en-US" sz="2000" dirty="0">
+                <a:solidFill>
+                  <a:srgbClr val="8000FF"/>
+                </a:solidFill>
+                <a:highlight>
+                  <a:srgbClr val="FFFFFF"/>
+                </a:highlight>
+                <a:latin typeface="Courier New"/>
+              </a:rPr>
+              <a:t>class</a:t>
+            </a:r>
+            <a:r>
+              <a:rPr lang="en-US" sz="2000" dirty="0">
+                <a:solidFill>
+                  <a:srgbClr val="000000"/>
+                </a:solidFill>
+                <a:highlight>
+                  <a:srgbClr val="FFFFFF"/>
+                </a:highlight>
+                <a:latin typeface="Courier New"/>
+              </a:rPr>
+              <a:t> First </a:t>
+            </a:r>
+            <a:r>
+              <a:rPr lang="en-US" sz="2000" b="1" dirty="0">
+                <a:solidFill>
+                  <a:srgbClr val="000080"/>
+                </a:solidFill>
+                <a:highlight>
+                  <a:srgbClr val="FFFFFF"/>
+                </a:highlight>
+                <a:latin typeface="Courier New"/>
+              </a:rPr>
+              <a:t>{</a:t>
+            </a:r>
+            <a:endParaRPr lang="en-US" sz="2000" dirty="0">
+              <a:solidFill>
+                <a:srgbClr val="000000"/>
+              </a:solidFill>
+              <a:highlight>
+                <a:srgbClr val="FFFFFF"/>
+              </a:highlight>
+              <a:latin typeface="Courier New"/>
+            </a:endParaRPr>
+          </a:p>
+          <a:p>
+            <a:pPr marL="0" indent="0">
+              <a:buNone/>
+            </a:pPr>
+            <a:r>
+              <a:rPr lang="en-US" sz="2000" dirty="0" smtClean="0">
+                <a:solidFill>
+                  <a:srgbClr val="8000FF"/>
+                </a:solidFill>
+                <a:highlight>
+                  <a:srgbClr val="FFFFFF"/>
+                </a:highlight>
+                <a:latin typeface="Courier New"/>
+              </a:rPr>
+              <a:t>	public</a:t>
+            </a:r>
+            <a:r>
+              <a:rPr lang="en-US" sz="2000" dirty="0" smtClean="0">
+                <a:solidFill>
+                  <a:srgbClr val="000000"/>
+                </a:solidFill>
+                <a:highlight>
+                  <a:srgbClr val="FFFFFF"/>
+                </a:highlight>
+                <a:latin typeface="Courier New"/>
+              </a:rPr>
+              <a:t> </a:t>
+            </a:r>
+            <a:r>
+              <a:rPr lang="en-US" sz="2000" dirty="0">
+                <a:solidFill>
+                  <a:srgbClr val="8000FF"/>
+                </a:solidFill>
+                <a:highlight>
+                  <a:srgbClr val="FFFFFF"/>
+                </a:highlight>
+                <a:latin typeface="Courier New"/>
+              </a:rPr>
+              <a:t>static</a:t>
+            </a:r>
+            <a:r>
+              <a:rPr lang="en-US" sz="2000" dirty="0">
+                <a:solidFill>
+                  <a:srgbClr val="000000"/>
+                </a:solidFill>
+                <a:highlight>
+                  <a:srgbClr val="FFFFFF"/>
+                </a:highlight>
+                <a:latin typeface="Courier New"/>
+              </a:rPr>
+              <a:t> </a:t>
+            </a:r>
+            <a:r>
+              <a:rPr lang="en-US" sz="2000" dirty="0">
+                <a:solidFill>
+                  <a:srgbClr val="8000FF"/>
+                </a:solidFill>
+                <a:highlight>
+                  <a:srgbClr val="FFFFFF"/>
+                </a:highlight>
+                <a:latin typeface="Courier New"/>
+              </a:rPr>
+              <a:t>void</a:t>
+            </a:r>
+            <a:r>
+              <a:rPr lang="en-US" sz="2000" dirty="0">
+                <a:solidFill>
+                  <a:srgbClr val="000000"/>
+                </a:solidFill>
+                <a:highlight>
+                  <a:srgbClr val="FFFFFF"/>
+                </a:highlight>
+                <a:latin typeface="Courier New"/>
+              </a:rPr>
+              <a:t> main</a:t>
+            </a:r>
+            <a:r>
+              <a:rPr lang="en-US" sz="2000" b="1" dirty="0">
+                <a:solidFill>
+                  <a:srgbClr val="000080"/>
+                </a:solidFill>
+                <a:highlight>
+                  <a:srgbClr val="FFFFFF"/>
+                </a:highlight>
+                <a:latin typeface="Courier New"/>
+              </a:rPr>
+              <a:t>(</a:t>
+            </a:r>
+            <a:r>
+              <a:rPr lang="en-US" sz="2000" dirty="0">
+                <a:solidFill>
+                  <a:srgbClr val="000000"/>
+                </a:solidFill>
+                <a:highlight>
+                  <a:srgbClr val="FFFFFF"/>
+                </a:highlight>
+                <a:latin typeface="Courier New"/>
+              </a:rPr>
+              <a:t>String</a:t>
+            </a:r>
+            <a:r>
+              <a:rPr lang="en-US" sz="2000" b="1" dirty="0">
+                <a:solidFill>
+                  <a:srgbClr val="000080"/>
+                </a:solidFill>
+                <a:highlight>
+                  <a:srgbClr val="FFFFFF"/>
+                </a:highlight>
+                <a:latin typeface="Courier New"/>
+              </a:rPr>
+              <a:t>[]</a:t>
+            </a:r>
+            <a:r>
+              <a:rPr lang="en-US" sz="2000" dirty="0">
+                <a:solidFill>
+                  <a:srgbClr val="000000"/>
+                </a:solidFill>
+                <a:highlight>
+                  <a:srgbClr val="FFFFFF"/>
+                </a:highlight>
+                <a:latin typeface="Courier New"/>
+              </a:rPr>
+              <a:t> </a:t>
+            </a:r>
+            <a:r>
+              <a:rPr lang="en-US" sz="2000" dirty="0" err="1">
+                <a:solidFill>
+                  <a:srgbClr val="000000"/>
+                </a:solidFill>
+                <a:highlight>
+                  <a:srgbClr val="FFFFFF"/>
+                </a:highlight>
+                <a:latin typeface="Courier New"/>
+              </a:rPr>
+              <a:t>args</a:t>
+            </a:r>
+            <a:r>
+              <a:rPr lang="en-US" sz="2000" b="1" dirty="0">
+                <a:solidFill>
+                  <a:srgbClr val="000080"/>
+                </a:solidFill>
+                <a:highlight>
+                  <a:srgbClr val="FFFFFF"/>
+                </a:highlight>
+                <a:latin typeface="Courier New"/>
+              </a:rPr>
+              <a:t>)</a:t>
+            </a:r>
+            <a:r>
+              <a:rPr lang="en-US" sz="2000" dirty="0">
+                <a:solidFill>
+                  <a:srgbClr val="000000"/>
+                </a:solidFill>
+                <a:highlight>
+                  <a:srgbClr val="FFFFFF"/>
+                </a:highlight>
+                <a:latin typeface="Courier New"/>
+              </a:rPr>
+              <a:t> </a:t>
+            </a:r>
+            <a:r>
+              <a:rPr lang="en-US" sz="2000" b="1" dirty="0">
+                <a:solidFill>
+                  <a:srgbClr val="000080"/>
+                </a:solidFill>
+                <a:highlight>
+                  <a:srgbClr val="FFFFFF"/>
+                </a:highlight>
+                <a:latin typeface="Courier New"/>
+              </a:rPr>
+              <a:t>{</a:t>
+            </a:r>
+            <a:endParaRPr lang="en-US" sz="2000" dirty="0">
+              <a:solidFill>
+                <a:srgbClr val="000000"/>
+              </a:solidFill>
+              <a:highlight>
+                <a:srgbClr val="FFFFFF"/>
+              </a:highlight>
+              <a:latin typeface="Courier New"/>
+            </a:endParaRPr>
+          </a:p>
+          <a:p>
+            <a:pPr marL="0" indent="0">
+              <a:buNone/>
+            </a:pPr>
+            <a:r>
+              <a:rPr lang="en-US" sz="2000" dirty="0">
+                <a:solidFill>
+                  <a:srgbClr val="000000"/>
+                </a:solidFill>
+                <a:highlight>
+                  <a:srgbClr val="FFFFFF"/>
+                </a:highlight>
+                <a:latin typeface="Courier New"/>
+              </a:rPr>
+              <a:t>	</a:t>
+            </a:r>
+            <a:r>
+              <a:rPr lang="en-US" sz="2000" dirty="0" smtClean="0">
+                <a:solidFill>
+                  <a:srgbClr val="000000"/>
+                </a:solidFill>
+                <a:highlight>
+                  <a:srgbClr val="FFFFFF"/>
+                </a:highlight>
+                <a:latin typeface="Courier New"/>
+              </a:rPr>
+              <a:t>   </a:t>
+            </a:r>
+            <a:r>
+              <a:rPr lang="en-US" sz="2000" dirty="0" err="1" smtClean="0">
+                <a:solidFill>
+                  <a:srgbClr val="000000"/>
+                </a:solidFill>
+                <a:highlight>
+                  <a:srgbClr val="FFFFFF"/>
+                </a:highlight>
+                <a:latin typeface="Courier New"/>
+              </a:rPr>
+              <a:t>ascfa</a:t>
+            </a:r>
+            <a:r>
+              <a:rPr lang="en-US" sz="2000" dirty="0" smtClean="0">
+                <a:solidFill>
+                  <a:srgbClr val="000000"/>
+                </a:solidFill>
+                <a:highlight>
+                  <a:srgbClr val="FFFFFF"/>
+                </a:highlight>
+                <a:latin typeface="Courier New"/>
+              </a:rPr>
+              <a:t> </a:t>
+            </a:r>
+            <a:r>
+              <a:rPr lang="en-US" sz="2000" dirty="0">
+                <a:solidFill>
+                  <a:srgbClr val="000000"/>
+                </a:solidFill>
+                <a:highlight>
+                  <a:srgbClr val="FFFFFF"/>
+                </a:highlight>
+                <a:latin typeface="Courier New"/>
+              </a:rPr>
+              <a:t>as </a:t>
+            </a:r>
+            <a:r>
+              <a:rPr lang="en-US" sz="2000" b="1" dirty="0">
+                <a:solidFill>
+                  <a:srgbClr val="000080"/>
+                </a:solidFill>
+                <a:highlight>
+                  <a:srgbClr val="FFFFFF"/>
+                </a:highlight>
+                <a:latin typeface="Courier New"/>
+              </a:rPr>
+              <a:t>=</a:t>
+            </a:r>
+            <a:r>
+              <a:rPr lang="en-US" sz="2000" dirty="0">
+                <a:solidFill>
+                  <a:srgbClr val="000000"/>
+                </a:solidFill>
+                <a:highlight>
+                  <a:srgbClr val="FFFFFF"/>
+                </a:highlight>
+                <a:latin typeface="Courier New"/>
+              </a:rPr>
+              <a:t> </a:t>
+            </a:r>
+            <a:r>
+              <a:rPr lang="en-US" sz="2000" b="1" dirty="0">
+                <a:solidFill>
+                  <a:srgbClr val="0000FF"/>
+                </a:solidFill>
+                <a:highlight>
+                  <a:srgbClr val="FFFFFF"/>
+                </a:highlight>
+                <a:latin typeface="Courier New"/>
+              </a:rPr>
+              <a:t>new</a:t>
+            </a:r>
+            <a:r>
+              <a:rPr lang="en-US" sz="2000" dirty="0">
+                <a:solidFill>
+                  <a:srgbClr val="000000"/>
+                </a:solidFill>
+                <a:highlight>
+                  <a:srgbClr val="FFFFFF"/>
+                </a:highlight>
+                <a:latin typeface="Courier New"/>
+              </a:rPr>
+              <a:t> </a:t>
+            </a:r>
+            <a:r>
+              <a:rPr lang="en-US" sz="2000" dirty="0" err="1">
+                <a:solidFill>
+                  <a:srgbClr val="000000"/>
+                </a:solidFill>
+                <a:highlight>
+                  <a:srgbClr val="FFFFFF"/>
+                </a:highlight>
+                <a:latin typeface="Courier New"/>
+              </a:rPr>
+              <a:t>ascfa</a:t>
+            </a:r>
+            <a:r>
+              <a:rPr lang="en-US" sz="2000" b="1" dirty="0">
+                <a:solidFill>
+                  <a:srgbClr val="000080"/>
+                </a:solidFill>
+                <a:highlight>
+                  <a:srgbClr val="FFFFFF"/>
+                </a:highlight>
+                <a:latin typeface="Courier New"/>
+              </a:rPr>
+              <a:t>();</a:t>
+            </a:r>
+            <a:endParaRPr lang="en-US" sz="2000" dirty="0">
+              <a:solidFill>
+                <a:srgbClr val="000000"/>
+              </a:solidFill>
+              <a:highlight>
+                <a:srgbClr val="FFFFFF"/>
+              </a:highlight>
+              <a:latin typeface="Courier New"/>
+            </a:endParaRPr>
+          </a:p>
+          <a:p>
+            <a:pPr marL="0" indent="0">
+              <a:buNone/>
+            </a:pPr>
+            <a:r>
+              <a:rPr lang="en-US" sz="2000" dirty="0">
+                <a:solidFill>
+                  <a:srgbClr val="000000"/>
+                </a:solidFill>
+                <a:highlight>
+                  <a:srgbClr val="FFFFFF"/>
+                </a:highlight>
+                <a:latin typeface="Courier New"/>
+              </a:rPr>
+              <a:t>	</a:t>
+            </a:r>
+            <a:r>
+              <a:rPr lang="en-US" sz="2000" dirty="0" smtClean="0">
+                <a:solidFill>
+                  <a:srgbClr val="000000"/>
+                </a:solidFill>
+                <a:highlight>
+                  <a:srgbClr val="FFFFFF"/>
+                </a:highlight>
+                <a:latin typeface="Courier New"/>
+              </a:rPr>
+              <a:t>   </a:t>
+            </a:r>
+            <a:r>
+              <a:rPr lang="en-US" sz="2000" dirty="0" err="1" smtClean="0">
+                <a:solidFill>
+                  <a:srgbClr val="000000"/>
+                </a:solidFill>
+                <a:highlight>
+                  <a:srgbClr val="FFFFFF"/>
+                </a:highlight>
+                <a:latin typeface="Courier New"/>
+              </a:rPr>
+              <a:t>System</a:t>
+            </a:r>
+            <a:r>
+              <a:rPr lang="en-US" sz="2000" b="1" dirty="0" err="1" smtClean="0">
+                <a:solidFill>
+                  <a:srgbClr val="000080"/>
+                </a:solidFill>
+                <a:highlight>
+                  <a:srgbClr val="FFFFFF"/>
+                </a:highlight>
+                <a:latin typeface="Courier New"/>
+              </a:rPr>
+              <a:t>.</a:t>
+            </a:r>
+            <a:r>
+              <a:rPr lang="en-US" sz="2000" dirty="0" err="1" smtClean="0">
+                <a:solidFill>
+                  <a:srgbClr val="000000"/>
+                </a:solidFill>
+                <a:highlight>
+                  <a:srgbClr val="FFFFFF"/>
+                </a:highlight>
+                <a:latin typeface="Courier New"/>
+              </a:rPr>
+              <a:t>out</a:t>
+            </a:r>
+            <a:r>
+              <a:rPr lang="en-US" sz="2000" b="1" dirty="0" err="1" smtClean="0">
+                <a:solidFill>
+                  <a:srgbClr val="000080"/>
+                </a:solidFill>
+                <a:highlight>
+                  <a:srgbClr val="FFFFFF"/>
+                </a:highlight>
+                <a:latin typeface="Courier New"/>
+              </a:rPr>
+              <a:t>.</a:t>
+            </a:r>
+            <a:r>
+              <a:rPr lang="en-US" sz="2000" dirty="0" err="1" smtClean="0">
+                <a:solidFill>
+                  <a:srgbClr val="000000"/>
+                </a:solidFill>
+                <a:highlight>
+                  <a:srgbClr val="FFFFFF"/>
+                </a:highlight>
+                <a:latin typeface="Courier New"/>
+              </a:rPr>
+              <a:t>println</a:t>
+            </a:r>
+            <a:r>
+              <a:rPr lang="en-US" sz="2000" b="1" dirty="0" smtClean="0">
+                <a:solidFill>
+                  <a:srgbClr val="000080"/>
+                </a:solidFill>
+                <a:highlight>
+                  <a:srgbClr val="FFFFFF"/>
+                </a:highlight>
+                <a:latin typeface="Courier New"/>
+              </a:rPr>
+              <a:t>(</a:t>
+            </a:r>
+            <a:r>
+              <a:rPr lang="en-US" sz="2000" dirty="0" err="1" smtClean="0">
+                <a:solidFill>
+                  <a:srgbClr val="000000"/>
+                </a:solidFill>
+                <a:highlight>
+                  <a:srgbClr val="FFFFFF"/>
+                </a:highlight>
+                <a:latin typeface="Courier New"/>
+              </a:rPr>
+              <a:t>as</a:t>
+            </a:r>
+            <a:r>
+              <a:rPr lang="en-US" sz="2000" b="1" dirty="0" err="1" smtClean="0">
+                <a:solidFill>
+                  <a:srgbClr val="000080"/>
+                </a:solidFill>
+                <a:highlight>
+                  <a:srgbClr val="FFFFFF"/>
+                </a:highlight>
+                <a:latin typeface="Courier New"/>
+              </a:rPr>
+              <a:t>.</a:t>
+            </a:r>
+            <a:r>
+              <a:rPr lang="en-US" sz="2000" dirty="0" err="1" smtClean="0">
+                <a:solidFill>
+                  <a:srgbClr val="000000"/>
+                </a:solidFill>
+                <a:highlight>
+                  <a:srgbClr val="FFFFFF"/>
+                </a:highlight>
+                <a:latin typeface="Courier New"/>
+              </a:rPr>
+              <a:t>Element</a:t>
+            </a:r>
+            <a:r>
+              <a:rPr lang="en-US" sz="2000" b="1" dirty="0" smtClean="0">
+                <a:solidFill>
+                  <a:srgbClr val="000080"/>
+                </a:solidFill>
+                <a:highlight>
+                  <a:srgbClr val="FFFFFF"/>
+                </a:highlight>
+                <a:latin typeface="Courier New"/>
+              </a:rPr>
+              <a:t>(</a:t>
+            </a:r>
+            <a:r>
+              <a:rPr lang="en-US" sz="2000" dirty="0" smtClean="0">
+                <a:solidFill>
+                  <a:srgbClr val="FF8000"/>
+                </a:solidFill>
+                <a:highlight>
+                  <a:srgbClr val="FFFFFF"/>
+                </a:highlight>
+                <a:latin typeface="Courier New"/>
+              </a:rPr>
+              <a:t>4.3</a:t>
+            </a:r>
+            <a:r>
+              <a:rPr lang="en-US" sz="2000" b="1" dirty="0">
+                <a:solidFill>
+                  <a:srgbClr val="000080"/>
+                </a:solidFill>
+                <a:highlight>
+                  <a:srgbClr val="FFFFFF"/>
+                </a:highlight>
+                <a:latin typeface="Courier New"/>
+              </a:rPr>
+              <a:t>,</a:t>
+            </a:r>
+            <a:r>
+              <a:rPr lang="en-US" sz="2000" dirty="0">
+                <a:solidFill>
+                  <a:srgbClr val="000000"/>
+                </a:solidFill>
+                <a:highlight>
+                  <a:srgbClr val="FFFFFF"/>
+                </a:highlight>
+                <a:latin typeface="Courier New"/>
+              </a:rPr>
+              <a:t> </a:t>
+            </a:r>
+            <a:r>
+              <a:rPr lang="en-US" sz="2000" dirty="0">
+                <a:solidFill>
+                  <a:srgbClr val="FF8000"/>
+                </a:solidFill>
+                <a:highlight>
+                  <a:srgbClr val="FFFFFF"/>
+                </a:highlight>
+                <a:latin typeface="Courier New"/>
+              </a:rPr>
+              <a:t>5.8</a:t>
+            </a:r>
+            <a:r>
+              <a:rPr lang="en-US" sz="2000" b="1" dirty="0">
+                <a:solidFill>
+                  <a:srgbClr val="000080"/>
+                </a:solidFill>
+                <a:highlight>
+                  <a:srgbClr val="FFFFFF"/>
+                </a:highlight>
+                <a:latin typeface="Courier New"/>
+              </a:rPr>
+              <a:t>));</a:t>
+            </a:r>
+            <a:endParaRPr lang="en-US" sz="2000" dirty="0">
+              <a:solidFill>
+                <a:srgbClr val="000000"/>
+              </a:solidFill>
+              <a:highlight>
+                <a:srgbClr val="FFFFFF"/>
+              </a:highlight>
+              <a:latin typeface="Courier New"/>
+            </a:endParaRPr>
+          </a:p>
+          <a:p>
+            <a:pPr marL="0" indent="0">
+              <a:buNone/>
+            </a:pPr>
+            <a:r>
+              <a:rPr lang="en-US" sz="2000" dirty="0">
+                <a:solidFill>
+                  <a:srgbClr val="000000"/>
+                </a:solidFill>
+                <a:highlight>
+                  <a:srgbClr val="FFFFFF"/>
+                </a:highlight>
+                <a:latin typeface="Courier New"/>
+              </a:rPr>
+              <a:t>	</a:t>
+            </a:r>
+            <a:r>
+              <a:rPr lang="en-US" sz="2000" dirty="0" smtClean="0">
+                <a:solidFill>
+                  <a:srgbClr val="000000"/>
+                </a:solidFill>
+                <a:highlight>
+                  <a:srgbClr val="FFFFFF"/>
+                </a:highlight>
+                <a:latin typeface="Courier New"/>
+              </a:rPr>
+              <a:t>   </a:t>
+            </a:r>
+            <a:r>
+              <a:rPr lang="en-US" sz="2000" dirty="0" err="1" smtClean="0">
+                <a:solidFill>
+                  <a:srgbClr val="000000"/>
+                </a:solidFill>
+                <a:highlight>
+                  <a:srgbClr val="FFFFFF"/>
+                </a:highlight>
+                <a:latin typeface="Courier New"/>
+              </a:rPr>
+              <a:t>System</a:t>
+            </a:r>
+            <a:r>
+              <a:rPr lang="en-US" sz="2000" b="1" dirty="0" err="1" smtClean="0">
+                <a:solidFill>
+                  <a:srgbClr val="000080"/>
+                </a:solidFill>
+                <a:highlight>
+                  <a:srgbClr val="FFFFFF"/>
+                </a:highlight>
+                <a:latin typeface="Courier New"/>
+              </a:rPr>
+              <a:t>.</a:t>
+            </a:r>
+            <a:r>
+              <a:rPr lang="en-US" sz="2000" dirty="0" err="1" smtClean="0">
+                <a:solidFill>
+                  <a:srgbClr val="000000"/>
+                </a:solidFill>
+                <a:highlight>
+                  <a:srgbClr val="FFFFFF"/>
+                </a:highlight>
+                <a:latin typeface="Courier New"/>
+              </a:rPr>
+              <a:t>out</a:t>
+            </a:r>
+            <a:r>
+              <a:rPr lang="en-US" sz="2000" b="1" dirty="0" err="1" smtClean="0">
+                <a:solidFill>
+                  <a:srgbClr val="000080"/>
+                </a:solidFill>
+                <a:highlight>
+                  <a:srgbClr val="FFFFFF"/>
+                </a:highlight>
+                <a:latin typeface="Courier New"/>
+              </a:rPr>
+              <a:t>.</a:t>
+            </a:r>
+            <a:r>
+              <a:rPr lang="en-US" sz="2000" dirty="0" err="1" smtClean="0">
+                <a:solidFill>
+                  <a:srgbClr val="000000"/>
+                </a:solidFill>
+                <a:highlight>
+                  <a:srgbClr val="FFFFFF"/>
+                </a:highlight>
+                <a:latin typeface="Courier New"/>
+              </a:rPr>
+              <a:t>println</a:t>
+            </a:r>
+            <a:r>
+              <a:rPr lang="en-US" sz="2000" b="1" dirty="0" smtClean="0">
+                <a:solidFill>
+                  <a:srgbClr val="000080"/>
+                </a:solidFill>
+                <a:highlight>
+                  <a:srgbClr val="FFFFFF"/>
+                </a:highlight>
+                <a:latin typeface="Courier New"/>
+              </a:rPr>
+              <a:t>(</a:t>
+            </a:r>
+            <a:r>
+              <a:rPr lang="en-US" sz="2000" dirty="0" err="1" smtClean="0">
+                <a:solidFill>
+                  <a:srgbClr val="000000"/>
+                </a:solidFill>
+                <a:highlight>
+                  <a:srgbClr val="FFFFFF"/>
+                </a:highlight>
+                <a:latin typeface="Courier New"/>
+              </a:rPr>
+              <a:t>as</a:t>
+            </a:r>
+            <a:r>
+              <a:rPr lang="en-US" sz="2000" b="1" dirty="0" err="1" smtClean="0">
+                <a:solidFill>
+                  <a:srgbClr val="000080"/>
+                </a:solidFill>
+                <a:highlight>
+                  <a:srgbClr val="FFFFFF"/>
+                </a:highlight>
+                <a:latin typeface="Courier New"/>
+              </a:rPr>
+              <a:t>.</a:t>
+            </a:r>
+            <a:r>
+              <a:rPr lang="en-US" sz="2000" dirty="0" err="1" smtClean="0">
+                <a:solidFill>
+                  <a:srgbClr val="000000"/>
+                </a:solidFill>
+                <a:highlight>
+                  <a:srgbClr val="FFFFFF"/>
+                </a:highlight>
+                <a:latin typeface="Courier New"/>
+              </a:rPr>
+              <a:t>Element</a:t>
+            </a:r>
+            <a:r>
+              <a:rPr lang="en-US" sz="2000" b="1" dirty="0" smtClean="0">
+                <a:solidFill>
+                  <a:srgbClr val="000080"/>
+                </a:solidFill>
+                <a:highlight>
+                  <a:srgbClr val="FFFFFF"/>
+                </a:highlight>
+                <a:latin typeface="Courier New"/>
+              </a:rPr>
+              <a:t>(</a:t>
+            </a:r>
+            <a:r>
+              <a:rPr lang="en-US" sz="2000" dirty="0" smtClean="0">
+                <a:solidFill>
+                  <a:srgbClr val="FF8000"/>
+                </a:solidFill>
+                <a:highlight>
+                  <a:srgbClr val="FFFFFF"/>
+                </a:highlight>
+                <a:latin typeface="Courier New"/>
+              </a:rPr>
+              <a:t>6.75</a:t>
+            </a:r>
+            <a:r>
+              <a:rPr lang="en-US" sz="2000" b="1" dirty="0">
+                <a:solidFill>
+                  <a:srgbClr val="000080"/>
+                </a:solidFill>
+                <a:highlight>
+                  <a:srgbClr val="FFFFFF"/>
+                </a:highlight>
+                <a:latin typeface="Courier New"/>
+              </a:rPr>
+              <a:t>,</a:t>
+            </a:r>
+            <a:r>
+              <a:rPr lang="en-US" sz="2000" dirty="0">
+                <a:solidFill>
+                  <a:srgbClr val="000000"/>
+                </a:solidFill>
+                <a:highlight>
+                  <a:srgbClr val="FFFFFF"/>
+                </a:highlight>
+                <a:latin typeface="Courier New"/>
+              </a:rPr>
+              <a:t> </a:t>
+            </a:r>
+            <a:r>
+              <a:rPr lang="en-US" sz="2000" dirty="0">
+                <a:solidFill>
+                  <a:srgbClr val="FF8000"/>
+                </a:solidFill>
+                <a:highlight>
+                  <a:srgbClr val="FFFFFF"/>
+                </a:highlight>
+                <a:latin typeface="Courier New"/>
+              </a:rPr>
+              <a:t>5.8</a:t>
+            </a:r>
+            <a:r>
+              <a:rPr lang="en-US" sz="2000" b="1" dirty="0">
+                <a:solidFill>
+                  <a:srgbClr val="000080"/>
+                </a:solidFill>
+                <a:highlight>
+                  <a:srgbClr val="FFFFFF"/>
+                </a:highlight>
+                <a:latin typeface="Courier New"/>
+              </a:rPr>
+              <a:t>));</a:t>
+            </a:r>
+            <a:endParaRPr lang="en-US" sz="2000" dirty="0">
+              <a:solidFill>
+                <a:srgbClr val="000000"/>
+              </a:solidFill>
+              <a:highlight>
+                <a:srgbClr val="FFFFFF"/>
+              </a:highlight>
+              <a:latin typeface="Courier New"/>
+            </a:endParaRPr>
+          </a:p>
+          <a:p>
+            <a:pPr marL="0" indent="0">
+              <a:buNone/>
+            </a:pPr>
+            <a:r>
+              <a:rPr lang="ru-RU" sz="2000" dirty="0">
+                <a:solidFill>
+                  <a:srgbClr val="000000"/>
+                </a:solidFill>
+                <a:highlight>
+                  <a:srgbClr val="FFFFFF"/>
+                </a:highlight>
+                <a:latin typeface="Courier New"/>
+              </a:rPr>
+              <a:t>	</a:t>
+            </a:r>
+            <a:r>
+              <a:rPr lang="en-US" sz="2000" dirty="0" smtClean="0">
+                <a:solidFill>
+                  <a:srgbClr val="000000"/>
+                </a:solidFill>
+                <a:highlight>
+                  <a:srgbClr val="FFFFFF"/>
+                </a:highlight>
+                <a:latin typeface="Courier New"/>
+              </a:rPr>
+              <a:t>   </a:t>
+            </a:r>
+            <a:r>
+              <a:rPr lang="ru-RU" sz="2000" b="1" dirty="0" smtClean="0">
+                <a:solidFill>
+                  <a:srgbClr val="000080"/>
+                </a:solidFill>
+                <a:highlight>
+                  <a:srgbClr val="FFFFFF"/>
+                </a:highlight>
+                <a:latin typeface="Courier New"/>
+              </a:rPr>
+              <a:t>}</a:t>
+            </a:r>
+            <a:endParaRPr lang="ru-RU" sz="2000" dirty="0">
+              <a:solidFill>
+                <a:srgbClr val="000000"/>
+              </a:solidFill>
+              <a:highlight>
+                <a:srgbClr val="FFFFFF"/>
+              </a:highlight>
+              <a:latin typeface="Courier New"/>
+            </a:endParaRPr>
+          </a:p>
+          <a:p>
+            <a:pPr marL="0" indent="0">
+              <a:buNone/>
+            </a:pPr>
+            <a:r>
+              <a:rPr lang="ru-RU" sz="2000" dirty="0">
+                <a:solidFill>
+                  <a:srgbClr val="000000"/>
+                </a:solidFill>
+                <a:highlight>
+                  <a:srgbClr val="FFFFFF"/>
+                </a:highlight>
+                <a:latin typeface="Courier New"/>
+              </a:rPr>
+              <a:t>      </a:t>
+            </a:r>
+            <a:r>
+              <a:rPr lang="ru-RU" sz="2000" b="1" dirty="0">
+                <a:solidFill>
+                  <a:srgbClr val="000080"/>
+                </a:solidFill>
+                <a:highlight>
+                  <a:srgbClr val="FFFFFF"/>
+                </a:highlight>
+                <a:latin typeface="Courier New"/>
+              </a:rPr>
+              <a:t>}</a:t>
+            </a:r>
+            <a:endParaRPr lang="ru-RU" sz="2000" dirty="0"/>
+          </a:p>
+        </p:txBody>
+      </p:sp>
+    </p:spTree>
+    <p:extLst>
+      <p:ext uri="{BB962C8B-B14F-4D97-AF65-F5344CB8AC3E}">
+        <p14:creationId xmlns:p14="http://schemas.microsoft.com/office/powerpoint/2010/main" val="283228274"/>
+      </p:ext>
+    </p:extLst>
+  </p:cSld>
+  <p:clrMapOvr>
+    <a:masterClrMapping/>
+  </p:clrMapOvr>
 </p:sld>
 </file>
 
